--- a/s1/S1 CS Slides.pptx
+++ b/s1/S1 CS Slides.pptx
@@ -5,7 +5,7 @@
     <p:sldMasterId id="2147483648" r:id="rId1"/>
   </p:sldMasterIdLst>
   <p:notesMasterIdLst>
-    <p:notesMasterId r:id="rId8"/>
+    <p:notesMasterId r:id="rId9"/>
   </p:notesMasterIdLst>
   <p:sldIdLst>
     <p:sldId id="262" r:id="rId2"/>
@@ -14,6 +14,7 @@
     <p:sldId id="265" r:id="rId5"/>
     <p:sldId id="267" r:id="rId6"/>
     <p:sldId id="266" r:id="rId7"/>
+    <p:sldId id="268" r:id="rId8"/>
   </p:sldIdLst>
   <p:sldSz cx="12192000" cy="6858000"/>
   <p:notesSz cx="7102475" cy="10234613"/>
@@ -131,6 +132,7 @@
             <p14:sldId id="265"/>
             <p14:sldId id="267"/>
             <p14:sldId id="266"/>
+            <p14:sldId id="268"/>
           </p14:sldIdLst>
         </p14:section>
       </p14:sectionLst>
@@ -159,6 +161,14 @@
 </p:cmAuthorLst>
 </file>
 
+<file path=ppt/revisionInfo.xml><?xml version="1.0" encoding="utf-8"?>
+<p1510:revInfo xmlns:a="http://schemas.openxmlformats.org/drawingml/2006/main" xmlns:r="http://schemas.openxmlformats.org/officeDocument/2006/relationships" xmlns:p1510="http://schemas.microsoft.com/office/powerpoint/2015/10/main">
+  <p1510:revLst>
+    <p1510:client id="{858C20F7-B2D2-42EC-A58B-025050ABFACB}" v="46" dt="2025-05-05T09:50:03.302"/>
+  </p1510:revLst>
+</p1510:revInfo>
+</file>
+
 <file path=ppt/notesMasters/notesMaster1.xml><?xml version="1.0" encoding="utf-8"?>
 <p:notesMaster xmlns:a="http://schemas.openxmlformats.org/drawingml/2006/main" xmlns:r="http://schemas.openxmlformats.org/officeDocument/2006/relationships" xmlns:p="http://schemas.openxmlformats.org/presentationml/2006/main">
   <p:cSld>
@@ -241,7 +251,7 @@
           <a:p>
             <a:fld id="{0E35528A-819C-4AD3-BDC3-2CDCE7BEAF53}" type="datetimeFigureOut">
               <a:rPr lang="en-GB" smtClean="0"/>
-              <a:t>01/05/2025</a:t>
+              <a:t>05/05/2025</a:t>
             </a:fld>
             <a:endParaRPr lang="en-GB"/>
           </a:p>
@@ -656,7 +666,7 @@
           <a:p>
             <a:r>
               <a:rPr lang="en-GB" dirty="0"/>
-              <a:t>words per minute (wpm)</a:t>
+              <a:t>words per minute (wpm): Hello</a:t>
             </a:r>
           </a:p>
           <a:p>
@@ -836,7 +846,25 @@
           <a:p>
             <a:r>
               <a:rPr lang="en-GB" dirty="0"/>
-              <a:t>SOS picked as easy to be use, not because it means anything.</a:t>
+              <a:t>SOS was picked as easy to be use, not because it meant anything.</a:t>
+            </a:r>
+          </a:p>
+          <a:p>
+            <a:r>
+              <a:rPr lang="en-GB" dirty="0"/>
+              <a:t>https://en.wikipedia.org/wiki/Q_code</a:t>
+            </a:r>
+          </a:p>
+          <a:p>
+            <a:r>
+              <a:rPr lang="en-GB" dirty="0"/>
+              <a:t>https://en.wikipedia.org/wiki/BATCO</a:t>
+            </a:r>
+          </a:p>
+          <a:p>
+            <a:r>
+              <a:rPr lang="en-GB" dirty="0"/>
+              <a:t>https://www.idahoares.info/_downloads/articles/DigitalComms/ACP131F09%20Operating%20(Z%20and%20Q)%20Signals.pdf</a:t>
             </a:r>
           </a:p>
         </p:txBody>
@@ -868,6 +896,98 @@
     <p:extLst>
       <p:ext uri="{BB962C8B-B14F-4D97-AF65-F5344CB8AC3E}">
         <p14:creationId xmlns:p14="http://schemas.microsoft.com/office/powerpoint/2010/main" val="3944519927"/>
+      </p:ext>
+    </p:extLst>
+  </p:cSld>
+  <p:clrMapOvr>
+    <a:masterClrMapping/>
+  </p:clrMapOvr>
+</p:notes>
+</file>
+
+<file path=ppt/notesSlides/notesSlide5.xml><?xml version="1.0" encoding="utf-8"?>
+<p:notes xmlns:a="http://schemas.openxmlformats.org/drawingml/2006/main" xmlns:r="http://schemas.openxmlformats.org/officeDocument/2006/relationships" xmlns:p="http://schemas.openxmlformats.org/presentationml/2006/main">
+  <p:cSld>
+    <p:spTree>
+      <p:nvGrpSpPr>
+        <p:cNvPr id="1" name=""/>
+        <p:cNvGrpSpPr/>
+        <p:nvPr/>
+      </p:nvGrpSpPr>
+      <p:grpSpPr>
+        <a:xfrm>
+          <a:off x="0" y="0"/>
+          <a:ext cx="0" cy="0"/>
+          <a:chOff x="0" y="0"/>
+          <a:chExt cx="0" cy="0"/>
+        </a:xfrm>
+      </p:grpSpPr>
+      <p:sp>
+        <p:nvSpPr>
+          <p:cNvPr id="2" name="Slide Image Placeholder 1"/>
+          <p:cNvSpPr>
+            <a:spLocks noGrp="1" noRot="1" noChangeAspect="1"/>
+          </p:cNvSpPr>
+          <p:nvPr>
+            <p:ph type="sldImg"/>
+          </p:nvPr>
+        </p:nvSpPr>
+        <p:spPr/>
+      </p:sp>
+      <p:sp>
+        <p:nvSpPr>
+          <p:cNvPr id="3" name="Notes Placeholder 2"/>
+          <p:cNvSpPr>
+            <a:spLocks noGrp="1"/>
+          </p:cNvSpPr>
+          <p:nvPr>
+            <p:ph type="body" idx="1"/>
+          </p:nvPr>
+        </p:nvSpPr>
+        <p:spPr/>
+        <p:txBody>
+          <a:bodyPr/>
+          <a:lstStyle/>
+          <a:p>
+            <a:r>
+              <a:rPr lang="en-GB" dirty="0"/>
+              <a:t>Make </a:t>
+            </a:r>
+            <a:r>
+              <a:rPr lang="en-GB"/>
+              <a:t>own brevity codes – English / Gàidhlig</a:t>
+            </a:r>
+            <a:endParaRPr lang="en-GB" dirty="0"/>
+          </a:p>
+        </p:txBody>
+      </p:sp>
+      <p:sp>
+        <p:nvSpPr>
+          <p:cNvPr id="4" name="Slide Number Placeholder 3"/>
+          <p:cNvSpPr>
+            <a:spLocks noGrp="1"/>
+          </p:cNvSpPr>
+          <p:nvPr>
+            <p:ph type="sldNum" sz="quarter" idx="5"/>
+          </p:nvPr>
+        </p:nvSpPr>
+        <p:spPr/>
+        <p:txBody>
+          <a:bodyPr/>
+          <a:lstStyle/>
+          <a:p>
+            <a:fld id="{B71FE5B5-A979-4370-A255-218EAB36A5F4}" type="slidenum">
+              <a:rPr lang="en-GB" smtClean="0"/>
+              <a:t>7</a:t>
+            </a:fld>
+            <a:endParaRPr lang="en-GB"/>
+          </a:p>
+        </p:txBody>
+      </p:sp>
+    </p:spTree>
+    <p:extLst>
+      <p:ext uri="{BB962C8B-B14F-4D97-AF65-F5344CB8AC3E}">
+        <p14:creationId xmlns:p14="http://schemas.microsoft.com/office/powerpoint/2010/main" val="3208289380"/>
       </p:ext>
     </p:extLst>
   </p:cSld>
@@ -1026,7 +1146,7 @@
           <a:p>
             <a:fld id="{CBBB66F6-7471-47DA-8EED-C7BCCA53B015}" type="datetimeFigureOut">
               <a:rPr lang="en-GB" smtClean="0"/>
-              <a:t>01/05/2025</a:t>
+              <a:t>05/05/2025</a:t>
             </a:fld>
             <a:endParaRPr lang="en-GB"/>
           </a:p>
@@ -1242,7 +1362,7 @@
           <a:p>
             <a:fld id="{CBBB66F6-7471-47DA-8EED-C7BCCA53B015}" type="datetimeFigureOut">
               <a:rPr lang="en-GB" smtClean="0"/>
-              <a:t>01/05/2025</a:t>
+              <a:t>05/05/2025</a:t>
             </a:fld>
             <a:endParaRPr lang="en-GB"/>
           </a:p>
@@ -1452,7 +1572,7 @@
           <a:p>
             <a:fld id="{CBBB66F6-7471-47DA-8EED-C7BCCA53B015}" type="datetimeFigureOut">
               <a:rPr lang="en-GB" smtClean="0"/>
-              <a:t>01/05/2025</a:t>
+              <a:t>05/05/2025</a:t>
             </a:fld>
             <a:endParaRPr lang="en-GB"/>
           </a:p>
@@ -1698,7 +1818,7 @@
           <a:p>
             <a:fld id="{CBBB66F6-7471-47DA-8EED-C7BCCA53B015}" type="datetimeFigureOut">
               <a:rPr lang="en-GB" smtClean="0"/>
-              <a:t>01/05/2025</a:t>
+              <a:t>05/05/2025</a:t>
             </a:fld>
             <a:endParaRPr lang="en-GB"/>
           </a:p>
@@ -1990,7 +2110,7 @@
           <a:p>
             <a:fld id="{CBBB66F6-7471-47DA-8EED-C7BCCA53B015}" type="datetimeFigureOut">
               <a:rPr lang="en-GB" smtClean="0"/>
-              <a:t>01/05/2025</a:t>
+              <a:t>05/05/2025</a:t>
             </a:fld>
             <a:endParaRPr lang="en-GB"/>
           </a:p>
@@ -2350,7 +2470,7 @@
           <a:p>
             <a:fld id="{CBBB66F6-7471-47DA-8EED-C7BCCA53B015}" type="datetimeFigureOut">
               <a:rPr lang="en-GB" smtClean="0"/>
-              <a:t>01/05/2025</a:t>
+              <a:t>05/05/2025</a:t>
             </a:fld>
             <a:endParaRPr lang="en-GB"/>
           </a:p>
@@ -2857,7 +2977,7 @@
           <a:p>
             <a:fld id="{CBBB66F6-7471-47DA-8EED-C7BCCA53B015}" type="datetimeFigureOut">
               <a:rPr lang="en-GB" smtClean="0"/>
-              <a:t>01/05/2025</a:t>
+              <a:t>05/05/2025</a:t>
             </a:fld>
             <a:endParaRPr lang="en-GB"/>
           </a:p>
@@ -3015,7 +3135,7 @@
           <a:p>
             <a:fld id="{CBBB66F6-7471-47DA-8EED-C7BCCA53B015}" type="datetimeFigureOut">
               <a:rPr lang="en-GB" smtClean="0"/>
-              <a:t>01/05/2025</a:t>
+              <a:t>05/05/2025</a:t>
             </a:fld>
             <a:endParaRPr lang="en-GB"/>
           </a:p>
@@ -3144,7 +3264,7 @@
           <a:p>
             <a:fld id="{CBBB66F6-7471-47DA-8EED-C7BCCA53B015}" type="datetimeFigureOut">
               <a:rPr lang="en-GB" smtClean="0"/>
-              <a:t>01/05/2025</a:t>
+              <a:t>05/05/2025</a:t>
             </a:fld>
             <a:endParaRPr lang="en-GB"/>
           </a:p>
@@ -3487,7 +3607,7 @@
           <a:p>
             <a:fld id="{CBBB66F6-7471-47DA-8EED-C7BCCA53B015}" type="datetimeFigureOut">
               <a:rPr lang="en-GB" smtClean="0"/>
-              <a:t>01/05/2025</a:t>
+              <a:t>05/05/2025</a:t>
             </a:fld>
             <a:endParaRPr lang="en-GB"/>
           </a:p>
@@ -3776,7 +3896,7 @@
           <a:p>
             <a:fld id="{CBBB66F6-7471-47DA-8EED-C7BCCA53B015}" type="datetimeFigureOut">
               <a:rPr lang="en-GB" smtClean="0"/>
-              <a:t>01/05/2025</a:t>
+              <a:t>05/05/2025</a:t>
             </a:fld>
             <a:endParaRPr lang="en-GB"/>
           </a:p>
@@ -4023,7 +4143,7 @@
           <a:p>
             <a:fld id="{CBBB66F6-7471-47DA-8EED-C7BCCA53B015}" type="datetimeFigureOut">
               <a:rPr lang="en-GB" noProof="0" smtClean="0"/>
-              <a:t>01/05/2025</a:t>
+              <a:t>05/05/2025</a:t>
             </a:fld>
             <a:endParaRPr lang="en-GB" noProof="0" dirty="0"/>
           </a:p>
@@ -4750,8 +4870,12 @@
           </a:p>
           <a:p>
             <a:r>
+              <a:rPr lang="en-GB" b="1" i="1" dirty="0"/>
+              <a:t>E</a:t>
+            </a:r>
+            <a:r>
               <a:rPr lang="en-GB" dirty="0"/>
-              <a:t>E is a single dot: </a:t>
+              <a:t> is a single dot: </a:t>
             </a:r>
             <a:r>
               <a:rPr lang="en-GB" dirty="0">
@@ -4764,8 +4888,12 @@
           </a:p>
           <a:p>
             <a:r>
+              <a:rPr lang="en-GB" b="1" i="1" dirty="0"/>
+              <a:t>Y</a:t>
+            </a:r>
+            <a:r>
               <a:rPr lang="en-GB" dirty="0"/>
-              <a:t>Y is dash dot dash </a:t>
+              <a:t> is dash dot dash </a:t>
             </a:r>
             <a:r>
               <a:rPr lang="en-GB" dirty="0" err="1"/>
@@ -6656,7 +6784,9 @@
         </p:nvSpPr>
         <p:spPr/>
         <p:txBody>
-          <a:bodyPr/>
+          <a:bodyPr>
+            <a:normAutofit lnSpcReduction="10000"/>
+          </a:bodyPr>
           <a:lstStyle/>
           <a:p>
             <a:r>
@@ -6676,6 +6806,32 @@
               <a:t>SOS</a:t>
             </a:r>
           </a:p>
+          <a:p>
+            <a:r>
+              <a:rPr lang="en-GB" dirty="0"/>
+              <a:t>Q Codes - Transport</a:t>
+            </a:r>
+          </a:p>
+          <a:p>
+            <a:r>
+              <a:rPr lang="en-GB" dirty="0"/>
+              <a:t>Battle Code (</a:t>
+            </a:r>
+            <a:r>
+              <a:rPr lang="en-GB" dirty="0" err="1"/>
+              <a:t>BATCO</a:t>
+            </a:r>
+            <a:r>
+              <a:rPr lang="en-GB" dirty="0"/>
+              <a:t>) – British Army</a:t>
+            </a:r>
+          </a:p>
+          <a:p>
+            <a:r>
+              <a:rPr lang="en-GB" dirty="0"/>
+              <a:t>Z Codes - NATO</a:t>
+            </a:r>
+          </a:p>
         </p:txBody>
       </p:sp>
       <p:sp>
@@ -6692,7 +6848,7 @@
         </p:nvSpPr>
         <p:spPr>
           <a:xfrm>
-            <a:off x="1769527" y="2582332"/>
+            <a:off x="1769527" y="2483856"/>
             <a:ext cx="3034805" cy="584775"/>
           </a:xfrm>
           <a:prstGeom prst="rect">
@@ -6727,7 +6883,7 @@
         </p:nvSpPr>
         <p:spPr>
           <a:xfrm>
-            <a:off x="1786461" y="3335912"/>
+            <a:off x="1786461" y="3209300"/>
             <a:ext cx="2862066" cy="584775"/>
           </a:xfrm>
           <a:prstGeom prst="rect">
@@ -6762,6 +6918,1108 @@
   <p:clrMapOvr>
     <a:masterClrMapping/>
   </p:clrMapOvr>
+  <p:timing>
+    <p:tnLst>
+      <p:par>
+        <p:cTn id="1" dur="indefinite" restart="never" nodeType="tmRoot">
+          <p:childTnLst>
+            <p:seq concurrent="1" nextAc="seek">
+              <p:cTn id="2" dur="indefinite" nodeType="mainSeq">
+                <p:childTnLst>
+                  <p:par>
+                    <p:cTn id="3" fill="hold">
+                      <p:stCondLst>
+                        <p:cond delay="indefinite"/>
+                      </p:stCondLst>
+                      <p:childTnLst>
+                        <p:par>
+                          <p:cTn id="4" fill="hold">
+                            <p:stCondLst>
+                              <p:cond delay="0"/>
+                            </p:stCondLst>
+                            <p:childTnLst>
+                              <p:par>
+                                <p:cTn id="5" presetID="22" presetClass="entr" presetSubtype="8" fill="hold" grpId="0" nodeType="clickEffect">
+                                  <p:stCondLst>
+                                    <p:cond delay="0"/>
+                                  </p:stCondLst>
+                                  <p:childTnLst>
+                                    <p:set>
+                                      <p:cBhvr>
+                                        <p:cTn id="6" dur="1" fill="hold">
+                                          <p:stCondLst>
+                                            <p:cond delay="0"/>
+                                          </p:stCondLst>
+                                        </p:cTn>
+                                        <p:tgtEl>
+                                          <p:spTgt spid="3">
+                                            <p:txEl>
+                                              <p:pRg st="0" end="0"/>
+                                            </p:txEl>
+                                          </p:spTgt>
+                                        </p:tgtEl>
+                                        <p:attrNameLst>
+                                          <p:attrName>style.visibility</p:attrName>
+                                        </p:attrNameLst>
+                                      </p:cBhvr>
+                                      <p:to>
+                                        <p:strVal val="visible"/>
+                                      </p:to>
+                                    </p:set>
+                                    <p:animEffect transition="in" filter="wipe(left)">
+                                      <p:cBhvr>
+                                        <p:cTn id="7" dur="1500"/>
+                                        <p:tgtEl>
+                                          <p:spTgt spid="3">
+                                            <p:txEl>
+                                              <p:pRg st="0" end="0"/>
+                                            </p:txEl>
+                                          </p:spTgt>
+                                        </p:tgtEl>
+                                      </p:cBhvr>
+                                    </p:animEffect>
+                                  </p:childTnLst>
+                                </p:cTn>
+                              </p:par>
+                            </p:childTnLst>
+                          </p:cTn>
+                        </p:par>
+                      </p:childTnLst>
+                    </p:cTn>
+                  </p:par>
+                  <p:par>
+                    <p:cTn id="8" fill="hold">
+                      <p:stCondLst>
+                        <p:cond delay="indefinite"/>
+                      </p:stCondLst>
+                      <p:childTnLst>
+                        <p:par>
+                          <p:cTn id="9" fill="hold">
+                            <p:stCondLst>
+                              <p:cond delay="0"/>
+                            </p:stCondLst>
+                            <p:childTnLst>
+                              <p:par>
+                                <p:cTn id="10" presetID="22" presetClass="entr" presetSubtype="8" fill="hold" grpId="0" nodeType="clickEffect">
+                                  <p:stCondLst>
+                                    <p:cond delay="0"/>
+                                  </p:stCondLst>
+                                  <p:childTnLst>
+                                    <p:set>
+                                      <p:cBhvr>
+                                        <p:cTn id="11" dur="1" fill="hold">
+                                          <p:stCondLst>
+                                            <p:cond delay="0"/>
+                                          </p:stCondLst>
+                                        </p:cTn>
+                                        <p:tgtEl>
+                                          <p:spTgt spid="3">
+                                            <p:txEl>
+                                              <p:pRg st="1" end="1"/>
+                                            </p:txEl>
+                                          </p:spTgt>
+                                        </p:tgtEl>
+                                        <p:attrNameLst>
+                                          <p:attrName>style.visibility</p:attrName>
+                                        </p:attrNameLst>
+                                      </p:cBhvr>
+                                      <p:to>
+                                        <p:strVal val="visible"/>
+                                      </p:to>
+                                    </p:set>
+                                    <p:animEffect transition="in" filter="wipe(left)">
+                                      <p:cBhvr>
+                                        <p:cTn id="12" dur="1000"/>
+                                        <p:tgtEl>
+                                          <p:spTgt spid="3">
+                                            <p:txEl>
+                                              <p:pRg st="1" end="1"/>
+                                            </p:txEl>
+                                          </p:spTgt>
+                                        </p:tgtEl>
+                                      </p:cBhvr>
+                                    </p:animEffect>
+                                  </p:childTnLst>
+                                </p:cTn>
+                              </p:par>
+                            </p:childTnLst>
+                          </p:cTn>
+                        </p:par>
+                      </p:childTnLst>
+                    </p:cTn>
+                  </p:par>
+                  <p:par>
+                    <p:cTn id="13" fill="hold">
+                      <p:stCondLst>
+                        <p:cond delay="indefinite"/>
+                      </p:stCondLst>
+                      <p:childTnLst>
+                        <p:par>
+                          <p:cTn id="14" fill="hold">
+                            <p:stCondLst>
+                              <p:cond delay="0"/>
+                            </p:stCondLst>
+                            <p:childTnLst>
+                              <p:par>
+                                <p:cTn id="15" presetID="22" presetClass="entr" presetSubtype="8" fill="hold" grpId="0" nodeType="clickEffect">
+                                  <p:stCondLst>
+                                    <p:cond delay="0"/>
+                                  </p:stCondLst>
+                                  <p:childTnLst>
+                                    <p:set>
+                                      <p:cBhvr>
+                                        <p:cTn id="16" dur="1" fill="hold">
+                                          <p:stCondLst>
+                                            <p:cond delay="0"/>
+                                          </p:stCondLst>
+                                        </p:cTn>
+                                        <p:tgtEl>
+                                          <p:spTgt spid="3">
+                                            <p:txEl>
+                                              <p:pRg st="2" end="2"/>
+                                            </p:txEl>
+                                          </p:spTgt>
+                                        </p:tgtEl>
+                                        <p:attrNameLst>
+                                          <p:attrName>style.visibility</p:attrName>
+                                        </p:attrNameLst>
+                                      </p:cBhvr>
+                                      <p:to>
+                                        <p:strVal val="visible"/>
+                                      </p:to>
+                                    </p:set>
+                                    <p:animEffect transition="in" filter="wipe(left)">
+                                      <p:cBhvr>
+                                        <p:cTn id="17" dur="1000"/>
+                                        <p:tgtEl>
+                                          <p:spTgt spid="3">
+                                            <p:txEl>
+                                              <p:pRg st="2" end="2"/>
+                                            </p:txEl>
+                                          </p:spTgt>
+                                        </p:tgtEl>
+                                      </p:cBhvr>
+                                    </p:animEffect>
+                                  </p:childTnLst>
+                                </p:cTn>
+                              </p:par>
+                            </p:childTnLst>
+                          </p:cTn>
+                        </p:par>
+                      </p:childTnLst>
+                    </p:cTn>
+                  </p:par>
+                  <p:par>
+                    <p:cTn id="18" fill="hold">
+                      <p:stCondLst>
+                        <p:cond delay="indefinite"/>
+                      </p:stCondLst>
+                      <p:childTnLst>
+                        <p:par>
+                          <p:cTn id="19" fill="hold">
+                            <p:stCondLst>
+                              <p:cond delay="0"/>
+                            </p:stCondLst>
+                            <p:childTnLst>
+                              <p:par>
+                                <p:cTn id="20" presetID="22" presetClass="entr" presetSubtype="8" fill="hold" grpId="0" nodeType="clickEffect">
+                                  <p:stCondLst>
+                                    <p:cond delay="0"/>
+                                  </p:stCondLst>
+                                  <p:childTnLst>
+                                    <p:set>
+                                      <p:cBhvr>
+                                        <p:cTn id="21" dur="1" fill="hold">
+                                          <p:stCondLst>
+                                            <p:cond delay="0"/>
+                                          </p:stCondLst>
+                                        </p:cTn>
+                                        <p:tgtEl>
+                                          <p:spTgt spid="3">
+                                            <p:txEl>
+                                              <p:pRg st="3" end="3"/>
+                                            </p:txEl>
+                                          </p:spTgt>
+                                        </p:tgtEl>
+                                        <p:attrNameLst>
+                                          <p:attrName>style.visibility</p:attrName>
+                                        </p:attrNameLst>
+                                      </p:cBhvr>
+                                      <p:to>
+                                        <p:strVal val="visible"/>
+                                      </p:to>
+                                    </p:set>
+                                    <p:animEffect transition="in" filter="wipe(left)">
+                                      <p:cBhvr>
+                                        <p:cTn id="22" dur="1000"/>
+                                        <p:tgtEl>
+                                          <p:spTgt spid="3">
+                                            <p:txEl>
+                                              <p:pRg st="3" end="3"/>
+                                            </p:txEl>
+                                          </p:spTgt>
+                                        </p:tgtEl>
+                                      </p:cBhvr>
+                                    </p:animEffect>
+                                  </p:childTnLst>
+                                </p:cTn>
+                              </p:par>
+                            </p:childTnLst>
+                          </p:cTn>
+                        </p:par>
+                      </p:childTnLst>
+                    </p:cTn>
+                  </p:par>
+                  <p:par>
+                    <p:cTn id="23" fill="hold">
+                      <p:stCondLst>
+                        <p:cond delay="indefinite"/>
+                      </p:stCondLst>
+                      <p:childTnLst>
+                        <p:par>
+                          <p:cTn id="24" fill="hold">
+                            <p:stCondLst>
+                              <p:cond delay="0"/>
+                            </p:stCondLst>
+                            <p:childTnLst>
+                              <p:par>
+                                <p:cTn id="25" presetID="22" presetClass="entr" presetSubtype="8" fill="hold" grpId="0" nodeType="clickEffect">
+                                  <p:stCondLst>
+                                    <p:cond delay="0"/>
+                                  </p:stCondLst>
+                                  <p:childTnLst>
+                                    <p:set>
+                                      <p:cBhvr>
+                                        <p:cTn id="26" dur="1" fill="hold">
+                                          <p:stCondLst>
+                                            <p:cond delay="0"/>
+                                          </p:stCondLst>
+                                        </p:cTn>
+                                        <p:tgtEl>
+                                          <p:spTgt spid="3">
+                                            <p:txEl>
+                                              <p:pRg st="4" end="4"/>
+                                            </p:txEl>
+                                          </p:spTgt>
+                                        </p:tgtEl>
+                                        <p:attrNameLst>
+                                          <p:attrName>style.visibility</p:attrName>
+                                        </p:attrNameLst>
+                                      </p:cBhvr>
+                                      <p:to>
+                                        <p:strVal val="visible"/>
+                                      </p:to>
+                                    </p:set>
+                                    <p:animEffect transition="in" filter="wipe(left)">
+                                      <p:cBhvr>
+                                        <p:cTn id="27" dur="1250"/>
+                                        <p:tgtEl>
+                                          <p:spTgt spid="3">
+                                            <p:txEl>
+                                              <p:pRg st="4" end="4"/>
+                                            </p:txEl>
+                                          </p:spTgt>
+                                        </p:tgtEl>
+                                      </p:cBhvr>
+                                    </p:animEffect>
+                                  </p:childTnLst>
+                                </p:cTn>
+                              </p:par>
+                            </p:childTnLst>
+                          </p:cTn>
+                        </p:par>
+                      </p:childTnLst>
+                    </p:cTn>
+                  </p:par>
+                  <p:par>
+                    <p:cTn id="28" fill="hold">
+                      <p:stCondLst>
+                        <p:cond delay="indefinite"/>
+                      </p:stCondLst>
+                      <p:childTnLst>
+                        <p:par>
+                          <p:cTn id="29" fill="hold">
+                            <p:stCondLst>
+                              <p:cond delay="0"/>
+                            </p:stCondLst>
+                            <p:childTnLst>
+                              <p:par>
+                                <p:cTn id="30" presetID="22" presetClass="entr" presetSubtype="8" fill="hold" grpId="0" nodeType="clickEffect">
+                                  <p:stCondLst>
+                                    <p:cond delay="0"/>
+                                  </p:stCondLst>
+                                  <p:childTnLst>
+                                    <p:set>
+                                      <p:cBhvr>
+                                        <p:cTn id="31" dur="1" fill="hold">
+                                          <p:stCondLst>
+                                            <p:cond delay="0"/>
+                                          </p:stCondLst>
+                                        </p:cTn>
+                                        <p:tgtEl>
+                                          <p:spTgt spid="3">
+                                            <p:txEl>
+                                              <p:pRg st="5" end="5"/>
+                                            </p:txEl>
+                                          </p:spTgt>
+                                        </p:tgtEl>
+                                        <p:attrNameLst>
+                                          <p:attrName>style.visibility</p:attrName>
+                                        </p:attrNameLst>
+                                      </p:cBhvr>
+                                      <p:to>
+                                        <p:strVal val="visible"/>
+                                      </p:to>
+                                    </p:set>
+                                    <p:animEffect transition="in" filter="wipe(left)">
+                                      <p:cBhvr>
+                                        <p:cTn id="32" dur="1000"/>
+                                        <p:tgtEl>
+                                          <p:spTgt spid="3">
+                                            <p:txEl>
+                                              <p:pRg st="5" end="5"/>
+                                            </p:txEl>
+                                          </p:spTgt>
+                                        </p:tgtEl>
+                                      </p:cBhvr>
+                                    </p:animEffect>
+                                  </p:childTnLst>
+                                </p:cTn>
+                              </p:par>
+                            </p:childTnLst>
+                          </p:cTn>
+                        </p:par>
+                      </p:childTnLst>
+                    </p:cTn>
+                  </p:par>
+                </p:childTnLst>
+              </p:cTn>
+              <p:prevCondLst>
+                <p:cond evt="onPrev" delay="0">
+                  <p:tgtEl>
+                    <p:sldTgt/>
+                  </p:tgtEl>
+                </p:cond>
+              </p:prevCondLst>
+              <p:nextCondLst>
+                <p:cond evt="onNext" delay="0">
+                  <p:tgtEl>
+                    <p:sldTgt/>
+                  </p:tgtEl>
+                </p:cond>
+              </p:nextCondLst>
+            </p:seq>
+          </p:childTnLst>
+        </p:cTn>
+      </p:par>
+    </p:tnLst>
+    <p:bldLst>
+      <p:bldP spid="3" grpId="0" uiExpand="1" build="p"/>
+    </p:bldLst>
+  </p:timing>
+</p:sld>
+</file>
+
+<file path=ppt/slides/slide7.xml><?xml version="1.0" encoding="utf-8"?>
+<p:sld xmlns:a="http://schemas.openxmlformats.org/drawingml/2006/main" xmlns:r="http://schemas.openxmlformats.org/officeDocument/2006/relationships" xmlns:p="http://schemas.openxmlformats.org/presentationml/2006/main">
+  <p:cSld>
+    <p:spTree>
+      <p:nvGrpSpPr>
+        <p:cNvPr id="1" name=""/>
+        <p:cNvGrpSpPr/>
+        <p:nvPr/>
+      </p:nvGrpSpPr>
+      <p:grpSpPr>
+        <a:xfrm>
+          <a:off x="0" y="0"/>
+          <a:ext cx="0" cy="0"/>
+          <a:chOff x="0" y="0"/>
+          <a:chExt cx="0" cy="0"/>
+        </a:xfrm>
+      </p:grpSpPr>
+      <p:sp>
+        <p:nvSpPr>
+          <p:cNvPr id="2" name="Title 1">
+            <a:extLst>
+              <a:ext uri="{FF2B5EF4-FFF2-40B4-BE49-F238E27FC236}">
+                <a16:creationId xmlns:a16="http://schemas.microsoft.com/office/drawing/2014/main" id="{CB3885CD-2565-F9B2-8FD4-5EF0FB4E3E02}"/>
+              </a:ext>
+            </a:extLst>
+          </p:cNvPr>
+          <p:cNvSpPr>
+            <a:spLocks noGrp="1"/>
+          </p:cNvSpPr>
+          <p:nvPr>
+            <p:ph type="title"/>
+          </p:nvPr>
+        </p:nvSpPr>
+        <p:spPr/>
+        <p:txBody>
+          <a:bodyPr/>
+          <a:lstStyle/>
+          <a:p>
+            <a:r>
+              <a:rPr lang="en-GB" dirty="0"/>
+              <a:t>Q Codes</a:t>
+            </a:r>
+          </a:p>
+        </p:txBody>
+      </p:sp>
+      <p:graphicFrame>
+        <p:nvGraphicFramePr>
+          <p:cNvPr id="4" name="Content Placeholder 3">
+            <a:extLst>
+              <a:ext uri="{FF2B5EF4-FFF2-40B4-BE49-F238E27FC236}">
+                <a16:creationId xmlns:a16="http://schemas.microsoft.com/office/drawing/2014/main" id="{17C425A3-F1C0-53FB-7422-9419D059C33F}"/>
+              </a:ext>
+            </a:extLst>
+          </p:cNvPr>
+          <p:cNvGraphicFramePr>
+            <a:graphicFrameLocks noGrp="1"/>
+          </p:cNvGraphicFramePr>
+          <p:nvPr>
+            <p:ph idx="1"/>
+            <p:extLst>
+              <p:ext uri="{D42A27DB-BD31-4B8C-83A1-F6EECF244321}">
+                <p14:modId xmlns:p14="http://schemas.microsoft.com/office/powerpoint/2010/main" val="1663973512"/>
+              </p:ext>
+            </p:extLst>
+          </p:nvPr>
+        </p:nvGraphicFramePr>
+        <p:xfrm>
+          <a:off x="838200" y="1825625"/>
+          <a:ext cx="10601186" cy="4023360"/>
+        </p:xfrm>
+        <a:graphic>
+          <a:graphicData uri="http://schemas.openxmlformats.org/drawingml/2006/table">
+            <a:tbl>
+              <a:tblPr firstRow="1" bandRow="1">
+                <a:tableStyleId>{5C22544A-7EE6-4342-B048-85BDC9FD1C3A}</a:tableStyleId>
+              </a:tblPr>
+              <a:tblGrid>
+                <a:gridCol w="1003618">
+                  <a:extLst>
+                    <a:ext uri="{9D8B030D-6E8A-4147-A177-3AD203B41FA5}">
+                      <a16:colId xmlns:a16="http://schemas.microsoft.com/office/drawing/2014/main" val="317950728"/>
+                    </a:ext>
+                  </a:extLst>
+                </a:gridCol>
+                <a:gridCol w="4775200">
+                  <a:extLst>
+                    <a:ext uri="{9D8B030D-6E8A-4147-A177-3AD203B41FA5}">
+                      <a16:colId xmlns:a16="http://schemas.microsoft.com/office/drawing/2014/main" val="4271928514"/>
+                    </a:ext>
+                  </a:extLst>
+                </a:gridCol>
+                <a:gridCol w="4822368">
+                  <a:extLst>
+                    <a:ext uri="{9D8B030D-6E8A-4147-A177-3AD203B41FA5}">
+                      <a16:colId xmlns:a16="http://schemas.microsoft.com/office/drawing/2014/main" val="2765410556"/>
+                    </a:ext>
+                  </a:extLst>
+                </a:gridCol>
+              </a:tblGrid>
+              <a:tr h="370840">
+                <a:tc>
+                  <a:txBody>
+                    <a:bodyPr/>
+                    <a:lstStyle/>
+                    <a:p>
+                      <a:r>
+                        <a:rPr lang="en-GB" sz="2400" dirty="0"/>
+                        <a:t>Signal</a:t>
+                      </a:r>
+                    </a:p>
+                  </a:txBody>
+                  <a:tcPr/>
+                </a:tc>
+                <a:tc>
+                  <a:txBody>
+                    <a:bodyPr/>
+                    <a:lstStyle/>
+                    <a:p>
+                      <a:r>
+                        <a:rPr lang="en-GB" sz="2400" dirty="0"/>
+                        <a:t>Question</a:t>
+                      </a:r>
+                    </a:p>
+                  </a:txBody>
+                  <a:tcPr/>
+                </a:tc>
+                <a:tc>
+                  <a:txBody>
+                    <a:bodyPr/>
+                    <a:lstStyle/>
+                    <a:p>
+                      <a:r>
+                        <a:rPr lang="en-GB" sz="2400" dirty="0"/>
+                        <a:t>Answer, Advice or Order</a:t>
+                      </a:r>
+                    </a:p>
+                  </a:txBody>
+                  <a:tcPr/>
+                </a:tc>
+                <a:extLst>
+                  <a:ext uri="{0D108BD9-81ED-4DB2-BD59-A6C34878D82A}">
+                    <a16:rowId xmlns:a16="http://schemas.microsoft.com/office/drawing/2014/main" val="1970352960"/>
+                  </a:ext>
+                </a:extLst>
+              </a:tr>
+              <a:tr h="370840">
+                <a:tc>
+                  <a:txBody>
+                    <a:bodyPr/>
+                    <a:lstStyle/>
+                    <a:p>
+                      <a:r>
+                        <a:rPr lang="en-GB" sz="2800" dirty="0"/>
+                        <a:t>QEA</a:t>
+                      </a:r>
+                    </a:p>
+                  </a:txBody>
+                  <a:tcPr/>
+                </a:tc>
+                <a:tc>
+                  <a:txBody>
+                    <a:bodyPr/>
+                    <a:lstStyle/>
+                    <a:p>
+                      <a:r>
+                        <a:rPr lang="en-GB" sz="2400" dirty="0"/>
+                        <a:t>May I cross the runway ahead of you? </a:t>
+                      </a:r>
+                    </a:p>
+                  </a:txBody>
+                  <a:tcPr/>
+                </a:tc>
+                <a:tc>
+                  <a:txBody>
+                    <a:bodyPr/>
+                    <a:lstStyle/>
+                    <a:p>
+                      <a:r>
+                        <a:rPr lang="en-GB" sz="2400" dirty="0"/>
+                        <a:t>You may cross the runway ahead of me.</a:t>
+                      </a:r>
+                    </a:p>
+                  </a:txBody>
+                  <a:tcPr/>
+                </a:tc>
+                <a:extLst>
+                  <a:ext uri="{0D108BD9-81ED-4DB2-BD59-A6C34878D82A}">
+                    <a16:rowId xmlns:a16="http://schemas.microsoft.com/office/drawing/2014/main" val="1485184616"/>
+                  </a:ext>
+                </a:extLst>
+              </a:tr>
+              <a:tr h="370840">
+                <a:tc>
+                  <a:txBody>
+                    <a:bodyPr/>
+                    <a:lstStyle/>
+                    <a:p>
+                      <a:r>
+                        <a:rPr lang="en-GB" sz="2800" dirty="0" err="1"/>
+                        <a:t>QOD</a:t>
+                      </a:r>
+                      <a:endParaRPr lang="en-GB" sz="2800" dirty="0"/>
+                    </a:p>
+                  </a:txBody>
+                  <a:tcPr/>
+                </a:tc>
+                <a:tc>
+                  <a:txBody>
+                    <a:bodyPr/>
+                    <a:lstStyle/>
+                    <a:p>
+                      <a:r>
+                        <a:rPr lang="en-GB" sz="2400" dirty="0"/>
+                        <a:t>Can you communicate with me in...</a:t>
+                      </a:r>
+                    </a:p>
+                    <a:p>
+                      <a:r>
+                        <a:rPr lang="en-GB" sz="2400" dirty="0"/>
+                        <a:t>0. Dutch 	1. English</a:t>
+                      </a:r>
+                    </a:p>
+                    <a:p>
+                      <a:r>
+                        <a:rPr lang="en-GB" sz="2400" dirty="0"/>
+                        <a:t>2. French 	3. German?</a:t>
+                      </a:r>
+                    </a:p>
+                  </a:txBody>
+                  <a:tcPr/>
+                </a:tc>
+                <a:tc>
+                  <a:txBody>
+                    <a:bodyPr/>
+                    <a:lstStyle/>
+                    <a:p>
+                      <a:r>
+                        <a:rPr lang="en-GB" sz="2400" dirty="0"/>
+                        <a:t>I can you communicate with you in...</a:t>
+                      </a:r>
+                    </a:p>
+                    <a:p>
+                      <a:r>
+                        <a:rPr lang="en-GB" sz="2400" dirty="0"/>
+                        <a:t>0. Dutch 	1. English</a:t>
+                      </a:r>
+                    </a:p>
+                    <a:p>
+                      <a:r>
+                        <a:rPr lang="en-GB" sz="2400" dirty="0"/>
+                        <a:t>2. French 	3. German?</a:t>
+                      </a:r>
+                    </a:p>
+                  </a:txBody>
+                  <a:tcPr/>
+                </a:tc>
+                <a:extLst>
+                  <a:ext uri="{0D108BD9-81ED-4DB2-BD59-A6C34878D82A}">
+                    <a16:rowId xmlns:a16="http://schemas.microsoft.com/office/drawing/2014/main" val="3947648446"/>
+                  </a:ext>
+                </a:extLst>
+              </a:tr>
+              <a:tr h="370840">
+                <a:tc>
+                  <a:txBody>
+                    <a:bodyPr/>
+                    <a:lstStyle/>
+                    <a:p>
+                      <a:r>
+                        <a:rPr lang="en-GB" sz="2800" dirty="0" err="1"/>
+                        <a:t>QUS</a:t>
+                      </a:r>
+                      <a:endParaRPr lang="en-GB" sz="2800" dirty="0"/>
+                    </a:p>
+                  </a:txBody>
+                  <a:tcPr/>
+                </a:tc>
+                <a:tc>
+                  <a:txBody>
+                    <a:bodyPr/>
+                    <a:lstStyle/>
+                    <a:p>
+                      <a:r>
+                        <a:rPr lang="en-GB" sz="2400" dirty="0"/>
+                        <a:t>Have you sighted survivors or wreckage?</a:t>
+                      </a:r>
+                    </a:p>
+                  </a:txBody>
+                  <a:tcPr/>
+                </a:tc>
+                <a:tc>
+                  <a:txBody>
+                    <a:bodyPr/>
+                    <a:lstStyle/>
+                    <a:p>
+                      <a:r>
+                        <a:rPr lang="en-GB" sz="2400" dirty="0"/>
+                        <a:t>Have sighted... </a:t>
+                      </a:r>
+                    </a:p>
+                    <a:p>
+                      <a:pPr marL="0" indent="0">
+                        <a:buNone/>
+                      </a:pPr>
+                      <a:r>
+                        <a:rPr lang="en-GB" sz="2400" dirty="0"/>
+                        <a:t>1) survivors in water,</a:t>
+                      </a:r>
+                    </a:p>
+                    <a:p>
+                      <a:pPr marL="0" indent="0">
+                        <a:buNone/>
+                      </a:pPr>
+                      <a:r>
+                        <a:rPr lang="en-GB" sz="2400" dirty="0"/>
+                        <a:t>2) survivors on rafts,</a:t>
+                      </a:r>
+                    </a:p>
+                    <a:p>
+                      <a:pPr marL="0" indent="0">
+                        <a:buNone/>
+                      </a:pPr>
+                      <a:r>
+                        <a:rPr lang="en-GB" sz="2400" dirty="0"/>
+                        <a:t>3) wreckage</a:t>
+                      </a:r>
+                    </a:p>
+                  </a:txBody>
+                  <a:tcPr/>
+                </a:tc>
+                <a:extLst>
+                  <a:ext uri="{0D108BD9-81ED-4DB2-BD59-A6C34878D82A}">
+                    <a16:rowId xmlns:a16="http://schemas.microsoft.com/office/drawing/2014/main" val="3540645584"/>
+                  </a:ext>
+                </a:extLst>
+              </a:tr>
+            </a:tbl>
+          </a:graphicData>
+        </a:graphic>
+      </p:graphicFrame>
+      <p:sp>
+        <p:nvSpPr>
+          <p:cNvPr id="5" name="Rectangle 4">
+            <a:extLst>
+              <a:ext uri="{FF2B5EF4-FFF2-40B4-BE49-F238E27FC236}">
+                <a16:creationId xmlns:a16="http://schemas.microsoft.com/office/drawing/2014/main" id="{AB5AC47F-9C27-3051-D195-43D66443F58E}"/>
+              </a:ext>
+            </a:extLst>
+          </p:cNvPr>
+          <p:cNvSpPr/>
+          <p:nvPr/>
+        </p:nvSpPr>
+        <p:spPr>
+          <a:xfrm>
+            <a:off x="747486" y="2317749"/>
+            <a:ext cx="10827657" cy="798831"/>
+          </a:xfrm>
+          <a:prstGeom prst="rect">
+            <a:avLst/>
+          </a:prstGeom>
+          <a:solidFill>
+            <a:srgbClr val="BDD7EE"/>
+          </a:solidFill>
+          <a:ln>
+            <a:noFill/>
+          </a:ln>
+        </p:spPr>
+        <p:style>
+          <a:lnRef idx="2">
+            <a:schemeClr val="accent1">
+              <a:shade val="15000"/>
+            </a:schemeClr>
+          </a:lnRef>
+          <a:fillRef idx="1">
+            <a:schemeClr val="accent1"/>
+          </a:fillRef>
+          <a:effectRef idx="0">
+            <a:schemeClr val="accent1"/>
+          </a:effectRef>
+          <a:fontRef idx="minor">
+            <a:schemeClr val="lt1"/>
+          </a:fontRef>
+        </p:style>
+        <p:txBody>
+          <a:bodyPr rtlCol="0" anchor="ctr"/>
+          <a:lstStyle/>
+          <a:p>
+            <a:pPr algn="ctr"/>
+            <a:endParaRPr lang="en-GB"/>
+          </a:p>
+        </p:txBody>
+      </p:sp>
+      <p:sp>
+        <p:nvSpPr>
+          <p:cNvPr id="6" name="Rectangle 5">
+            <a:extLst>
+              <a:ext uri="{FF2B5EF4-FFF2-40B4-BE49-F238E27FC236}">
+                <a16:creationId xmlns:a16="http://schemas.microsoft.com/office/drawing/2014/main" id="{17D11E21-B118-7025-BB68-6AFA46DE4DAB}"/>
+              </a:ext>
+            </a:extLst>
+          </p:cNvPr>
+          <p:cNvSpPr/>
+          <p:nvPr/>
+        </p:nvSpPr>
+        <p:spPr>
+          <a:xfrm>
+            <a:off x="682171" y="3116580"/>
+            <a:ext cx="10827657" cy="1196340"/>
+          </a:xfrm>
+          <a:prstGeom prst="rect">
+            <a:avLst/>
+          </a:prstGeom>
+          <a:solidFill>
+            <a:srgbClr val="BDD7EE"/>
+          </a:solidFill>
+          <a:ln>
+            <a:noFill/>
+          </a:ln>
+        </p:spPr>
+        <p:style>
+          <a:lnRef idx="2">
+            <a:schemeClr val="accent1">
+              <a:shade val="15000"/>
+            </a:schemeClr>
+          </a:lnRef>
+          <a:fillRef idx="1">
+            <a:schemeClr val="accent1"/>
+          </a:fillRef>
+          <a:effectRef idx="0">
+            <a:schemeClr val="accent1"/>
+          </a:effectRef>
+          <a:fontRef idx="minor">
+            <a:schemeClr val="lt1"/>
+          </a:fontRef>
+        </p:style>
+        <p:txBody>
+          <a:bodyPr rtlCol="0" anchor="ctr"/>
+          <a:lstStyle/>
+          <a:p>
+            <a:pPr algn="ctr"/>
+            <a:endParaRPr lang="en-GB"/>
+          </a:p>
+        </p:txBody>
+      </p:sp>
+      <p:sp>
+        <p:nvSpPr>
+          <p:cNvPr id="7" name="Rectangle 6">
+            <a:extLst>
+              <a:ext uri="{FF2B5EF4-FFF2-40B4-BE49-F238E27FC236}">
+                <a16:creationId xmlns:a16="http://schemas.microsoft.com/office/drawing/2014/main" id="{BE3FCF57-680C-3B21-95D2-6A1CD2E64DBF}"/>
+              </a:ext>
+            </a:extLst>
+          </p:cNvPr>
+          <p:cNvSpPr/>
+          <p:nvPr/>
+        </p:nvSpPr>
+        <p:spPr>
+          <a:xfrm>
+            <a:off x="747486" y="4312919"/>
+            <a:ext cx="10827657" cy="1573531"/>
+          </a:xfrm>
+          <a:prstGeom prst="rect">
+            <a:avLst/>
+          </a:prstGeom>
+          <a:solidFill>
+            <a:srgbClr val="BDD7EE"/>
+          </a:solidFill>
+          <a:ln>
+            <a:noFill/>
+          </a:ln>
+        </p:spPr>
+        <p:style>
+          <a:lnRef idx="2">
+            <a:schemeClr val="accent1">
+              <a:shade val="15000"/>
+            </a:schemeClr>
+          </a:lnRef>
+          <a:fillRef idx="1">
+            <a:schemeClr val="accent1"/>
+          </a:fillRef>
+          <a:effectRef idx="0">
+            <a:schemeClr val="accent1"/>
+          </a:effectRef>
+          <a:fontRef idx="minor">
+            <a:schemeClr val="lt1"/>
+          </a:fontRef>
+        </p:style>
+        <p:txBody>
+          <a:bodyPr rtlCol="0" anchor="ctr"/>
+          <a:lstStyle/>
+          <a:p>
+            <a:pPr algn="ctr"/>
+            <a:endParaRPr lang="en-GB"/>
+          </a:p>
+        </p:txBody>
+      </p:sp>
+    </p:spTree>
+    <p:extLst>
+      <p:ext uri="{BB962C8B-B14F-4D97-AF65-F5344CB8AC3E}">
+        <p14:creationId xmlns:p14="http://schemas.microsoft.com/office/powerpoint/2010/main" val="4029940863"/>
+      </p:ext>
+    </p:extLst>
+  </p:cSld>
+  <p:clrMapOvr>
+    <a:masterClrMapping/>
+  </p:clrMapOvr>
+  <p:timing>
+    <p:tnLst>
+      <p:par>
+        <p:cTn id="1" dur="indefinite" restart="never" nodeType="tmRoot">
+          <p:childTnLst>
+            <p:seq concurrent="1" nextAc="seek">
+              <p:cTn id="2" dur="indefinite" nodeType="mainSeq">
+                <p:childTnLst>
+                  <p:par>
+                    <p:cTn id="3" fill="hold">
+                      <p:stCondLst>
+                        <p:cond delay="indefinite"/>
+                      </p:stCondLst>
+                      <p:childTnLst>
+                        <p:par>
+                          <p:cTn id="4" fill="hold">
+                            <p:stCondLst>
+                              <p:cond delay="0"/>
+                            </p:stCondLst>
+                            <p:childTnLst>
+                              <p:par>
+                                <p:cTn id="5" presetID="22" presetClass="exit" presetSubtype="8" fill="hold" grpId="0" nodeType="clickEffect">
+                                  <p:stCondLst>
+                                    <p:cond delay="0"/>
+                                  </p:stCondLst>
+                                  <p:childTnLst>
+                                    <p:animEffect transition="out" filter="wipe(left)">
+                                      <p:cBhvr>
+                                        <p:cTn id="6" dur="2000"/>
+                                        <p:tgtEl>
+                                          <p:spTgt spid="5"/>
+                                        </p:tgtEl>
+                                      </p:cBhvr>
+                                    </p:animEffect>
+                                    <p:set>
+                                      <p:cBhvr>
+                                        <p:cTn id="7" dur="1" fill="hold">
+                                          <p:stCondLst>
+                                            <p:cond delay="1999"/>
+                                          </p:stCondLst>
+                                        </p:cTn>
+                                        <p:tgtEl>
+                                          <p:spTgt spid="5"/>
+                                        </p:tgtEl>
+                                        <p:attrNameLst>
+                                          <p:attrName>style.visibility</p:attrName>
+                                        </p:attrNameLst>
+                                      </p:cBhvr>
+                                      <p:to>
+                                        <p:strVal val="hidden"/>
+                                      </p:to>
+                                    </p:set>
+                                  </p:childTnLst>
+                                </p:cTn>
+                              </p:par>
+                            </p:childTnLst>
+                          </p:cTn>
+                        </p:par>
+                      </p:childTnLst>
+                    </p:cTn>
+                  </p:par>
+                  <p:par>
+                    <p:cTn id="8" fill="hold">
+                      <p:stCondLst>
+                        <p:cond delay="indefinite"/>
+                      </p:stCondLst>
+                      <p:childTnLst>
+                        <p:par>
+                          <p:cTn id="9" fill="hold">
+                            <p:stCondLst>
+                              <p:cond delay="0"/>
+                            </p:stCondLst>
+                            <p:childTnLst>
+                              <p:par>
+                                <p:cTn id="10" presetID="22" presetClass="exit" presetSubtype="8" fill="hold" grpId="0" nodeType="clickEffect">
+                                  <p:stCondLst>
+                                    <p:cond delay="0"/>
+                                  </p:stCondLst>
+                                  <p:childTnLst>
+                                    <p:animEffect transition="out" filter="wipe(left)">
+                                      <p:cBhvr>
+                                        <p:cTn id="11" dur="2000"/>
+                                        <p:tgtEl>
+                                          <p:spTgt spid="6"/>
+                                        </p:tgtEl>
+                                      </p:cBhvr>
+                                    </p:animEffect>
+                                    <p:set>
+                                      <p:cBhvr>
+                                        <p:cTn id="12" dur="1" fill="hold">
+                                          <p:stCondLst>
+                                            <p:cond delay="1999"/>
+                                          </p:stCondLst>
+                                        </p:cTn>
+                                        <p:tgtEl>
+                                          <p:spTgt spid="6"/>
+                                        </p:tgtEl>
+                                        <p:attrNameLst>
+                                          <p:attrName>style.visibility</p:attrName>
+                                        </p:attrNameLst>
+                                      </p:cBhvr>
+                                      <p:to>
+                                        <p:strVal val="hidden"/>
+                                      </p:to>
+                                    </p:set>
+                                  </p:childTnLst>
+                                </p:cTn>
+                              </p:par>
+                            </p:childTnLst>
+                          </p:cTn>
+                        </p:par>
+                      </p:childTnLst>
+                    </p:cTn>
+                  </p:par>
+                  <p:par>
+                    <p:cTn id="13" fill="hold">
+                      <p:stCondLst>
+                        <p:cond delay="indefinite"/>
+                      </p:stCondLst>
+                      <p:childTnLst>
+                        <p:par>
+                          <p:cTn id="14" fill="hold">
+                            <p:stCondLst>
+                              <p:cond delay="0"/>
+                            </p:stCondLst>
+                            <p:childTnLst>
+                              <p:par>
+                                <p:cTn id="15" presetID="22" presetClass="exit" presetSubtype="8" fill="hold" grpId="0" nodeType="clickEffect">
+                                  <p:stCondLst>
+                                    <p:cond delay="0"/>
+                                  </p:stCondLst>
+                                  <p:childTnLst>
+                                    <p:animEffect transition="out" filter="wipe(left)">
+                                      <p:cBhvr>
+                                        <p:cTn id="16" dur="2000"/>
+                                        <p:tgtEl>
+                                          <p:spTgt spid="7"/>
+                                        </p:tgtEl>
+                                      </p:cBhvr>
+                                    </p:animEffect>
+                                    <p:set>
+                                      <p:cBhvr>
+                                        <p:cTn id="17" dur="1" fill="hold">
+                                          <p:stCondLst>
+                                            <p:cond delay="1999"/>
+                                          </p:stCondLst>
+                                        </p:cTn>
+                                        <p:tgtEl>
+                                          <p:spTgt spid="7"/>
+                                        </p:tgtEl>
+                                        <p:attrNameLst>
+                                          <p:attrName>style.visibility</p:attrName>
+                                        </p:attrNameLst>
+                                      </p:cBhvr>
+                                      <p:to>
+                                        <p:strVal val="hidden"/>
+                                      </p:to>
+                                    </p:set>
+                                  </p:childTnLst>
+                                </p:cTn>
+                              </p:par>
+                            </p:childTnLst>
+                          </p:cTn>
+                        </p:par>
+                      </p:childTnLst>
+                    </p:cTn>
+                  </p:par>
+                </p:childTnLst>
+              </p:cTn>
+              <p:prevCondLst>
+                <p:cond evt="onPrev" delay="0">
+                  <p:tgtEl>
+                    <p:sldTgt/>
+                  </p:tgtEl>
+                </p:cond>
+              </p:prevCondLst>
+              <p:nextCondLst>
+                <p:cond evt="onNext" delay="0">
+                  <p:tgtEl>
+                    <p:sldTgt/>
+                  </p:tgtEl>
+                </p:cond>
+              </p:nextCondLst>
+            </p:seq>
+          </p:childTnLst>
+        </p:cTn>
+      </p:par>
+    </p:tnLst>
+    <p:bldLst>
+      <p:bldP spid="5" grpId="0" animBg="1"/>
+      <p:bldP spid="6" grpId="0" animBg="1"/>
+      <p:bldP spid="7" grpId="0" animBg="1"/>
+    </p:bldLst>
+  </p:timing>
 </p:sld>
 </file>
 

--- a/s1/S1 CS Slides.pptx
+++ b/s1/S1 CS Slides.pptx
@@ -161,14 +161,6 @@
 </p:cmAuthorLst>
 </file>
 
-<file path=ppt/revisionInfo.xml><?xml version="1.0" encoding="utf-8"?>
-<p1510:revInfo xmlns:a="http://schemas.openxmlformats.org/drawingml/2006/main" xmlns:r="http://schemas.openxmlformats.org/officeDocument/2006/relationships" xmlns:p1510="http://schemas.microsoft.com/office/powerpoint/2015/10/main">
-  <p1510:revLst>
-    <p1510:client id="{858C20F7-B2D2-42EC-A58B-025050ABFACB}" v="46" dt="2025-05-05T09:50:03.302"/>
-  </p1510:revLst>
-</p1510:revInfo>
-</file>
-
 <file path=ppt/notesMasters/notesMaster1.xml><?xml version="1.0" encoding="utf-8"?>
 <p:notesMaster xmlns:a="http://schemas.openxmlformats.org/drawingml/2006/main" xmlns:r="http://schemas.openxmlformats.org/officeDocument/2006/relationships" xmlns:p="http://schemas.openxmlformats.org/presentationml/2006/main">
   <p:cSld>
@@ -251,7 +243,7 @@
           <a:p>
             <a:fld id="{0E35528A-819C-4AD3-BDC3-2CDCE7BEAF53}" type="datetimeFigureOut">
               <a:rPr lang="en-GB" smtClean="0"/>
-              <a:t>05/05/2025</a:t>
+              <a:t>06/05/2025</a:t>
             </a:fld>
             <a:endParaRPr lang="en-GB"/>
           </a:p>
@@ -1146,7 +1138,7 @@
           <a:p>
             <a:fld id="{CBBB66F6-7471-47DA-8EED-C7BCCA53B015}" type="datetimeFigureOut">
               <a:rPr lang="en-GB" smtClean="0"/>
-              <a:t>05/05/2025</a:t>
+              <a:t>06/05/2025</a:t>
             </a:fld>
             <a:endParaRPr lang="en-GB"/>
           </a:p>
@@ -1362,7 +1354,7 @@
           <a:p>
             <a:fld id="{CBBB66F6-7471-47DA-8EED-C7BCCA53B015}" type="datetimeFigureOut">
               <a:rPr lang="en-GB" smtClean="0"/>
-              <a:t>05/05/2025</a:t>
+              <a:t>06/05/2025</a:t>
             </a:fld>
             <a:endParaRPr lang="en-GB"/>
           </a:p>
@@ -1572,7 +1564,7 @@
           <a:p>
             <a:fld id="{CBBB66F6-7471-47DA-8EED-C7BCCA53B015}" type="datetimeFigureOut">
               <a:rPr lang="en-GB" smtClean="0"/>
-              <a:t>05/05/2025</a:t>
+              <a:t>06/05/2025</a:t>
             </a:fld>
             <a:endParaRPr lang="en-GB"/>
           </a:p>
@@ -1818,7 +1810,7 @@
           <a:p>
             <a:fld id="{CBBB66F6-7471-47DA-8EED-C7BCCA53B015}" type="datetimeFigureOut">
               <a:rPr lang="en-GB" smtClean="0"/>
-              <a:t>05/05/2025</a:t>
+              <a:t>06/05/2025</a:t>
             </a:fld>
             <a:endParaRPr lang="en-GB"/>
           </a:p>
@@ -2110,7 +2102,7 @@
           <a:p>
             <a:fld id="{CBBB66F6-7471-47DA-8EED-C7BCCA53B015}" type="datetimeFigureOut">
               <a:rPr lang="en-GB" smtClean="0"/>
-              <a:t>05/05/2025</a:t>
+              <a:t>06/05/2025</a:t>
             </a:fld>
             <a:endParaRPr lang="en-GB"/>
           </a:p>
@@ -2470,7 +2462,7 @@
           <a:p>
             <a:fld id="{CBBB66F6-7471-47DA-8EED-C7BCCA53B015}" type="datetimeFigureOut">
               <a:rPr lang="en-GB" smtClean="0"/>
-              <a:t>05/05/2025</a:t>
+              <a:t>06/05/2025</a:t>
             </a:fld>
             <a:endParaRPr lang="en-GB"/>
           </a:p>
@@ -2977,7 +2969,7 @@
           <a:p>
             <a:fld id="{CBBB66F6-7471-47DA-8EED-C7BCCA53B015}" type="datetimeFigureOut">
               <a:rPr lang="en-GB" smtClean="0"/>
-              <a:t>05/05/2025</a:t>
+              <a:t>06/05/2025</a:t>
             </a:fld>
             <a:endParaRPr lang="en-GB"/>
           </a:p>
@@ -3135,7 +3127,7 @@
           <a:p>
             <a:fld id="{CBBB66F6-7471-47DA-8EED-C7BCCA53B015}" type="datetimeFigureOut">
               <a:rPr lang="en-GB" smtClean="0"/>
-              <a:t>05/05/2025</a:t>
+              <a:t>06/05/2025</a:t>
             </a:fld>
             <a:endParaRPr lang="en-GB"/>
           </a:p>
@@ -3264,7 +3256,7 @@
           <a:p>
             <a:fld id="{CBBB66F6-7471-47DA-8EED-C7BCCA53B015}" type="datetimeFigureOut">
               <a:rPr lang="en-GB" smtClean="0"/>
-              <a:t>05/05/2025</a:t>
+              <a:t>06/05/2025</a:t>
             </a:fld>
             <a:endParaRPr lang="en-GB"/>
           </a:p>
@@ -3607,7 +3599,7 @@
           <a:p>
             <a:fld id="{CBBB66F6-7471-47DA-8EED-C7BCCA53B015}" type="datetimeFigureOut">
               <a:rPr lang="en-GB" smtClean="0"/>
-              <a:t>05/05/2025</a:t>
+              <a:t>06/05/2025</a:t>
             </a:fld>
             <a:endParaRPr lang="en-GB"/>
           </a:p>
@@ -3896,7 +3888,7 @@
           <a:p>
             <a:fld id="{CBBB66F6-7471-47DA-8EED-C7BCCA53B015}" type="datetimeFigureOut">
               <a:rPr lang="en-GB" smtClean="0"/>
-              <a:t>05/05/2025</a:t>
+              <a:t>06/05/2025</a:t>
             </a:fld>
             <a:endParaRPr lang="en-GB"/>
           </a:p>
@@ -4143,7 +4135,7 @@
           <a:p>
             <a:fld id="{CBBB66F6-7471-47DA-8EED-C7BCCA53B015}" type="datetimeFigureOut">
               <a:rPr lang="en-GB" noProof="0" smtClean="0"/>
-              <a:t>05/05/2025</a:t>
+              <a:t>06/05/2025</a:t>
             </a:fld>
             <a:endParaRPr lang="en-GB" noProof="0" dirty="0"/>
           </a:p>
@@ -5109,6 +5101,40 @@
             <a:r>
               <a:rPr lang="en-GB" sz="3600" b="1" dirty="0"/>
               <a:t>5</a:t>
+            </a:r>
+          </a:p>
+        </p:txBody>
+      </p:sp>
+      <p:sp>
+        <p:nvSpPr>
+          <p:cNvPr id="6" name="Rectangle 5">
+            <a:extLst>
+              <a:ext uri="{FF2B5EF4-FFF2-40B4-BE49-F238E27FC236}">
+                <a16:creationId xmlns:a16="http://schemas.microsoft.com/office/drawing/2014/main" id="{91001927-4A9E-4348-BD49-9A3F6F3E3666}"/>
+              </a:ext>
+            </a:extLst>
+          </p:cNvPr>
+          <p:cNvSpPr/>
+          <p:nvPr/>
+        </p:nvSpPr>
+        <p:spPr>
+          <a:xfrm>
+            <a:off x="11689939" y="6488668"/>
+            <a:ext cx="502061" cy="369332"/>
+          </a:xfrm>
+          <a:prstGeom prst="rect">
+            <a:avLst/>
+          </a:prstGeom>
+        </p:spPr>
+        <p:txBody>
+          <a:bodyPr wrap="none">
+            <a:spAutoFit/>
+          </a:bodyPr>
+          <a:lstStyle/>
+          <a:p>
+            <a:r>
+              <a:rPr lang="en-GB" dirty="0"/>
+              <a:t>🚢</a:t>
             </a:r>
           </a:p>
         </p:txBody>

--- a/s1/S1 CS Slides.pptx
+++ b/s1/S1 CS Slides.pptx
@@ -243,7 +243,7 @@
           <a:p>
             <a:fld id="{0E35528A-819C-4AD3-BDC3-2CDCE7BEAF53}" type="datetimeFigureOut">
               <a:rPr lang="en-GB" smtClean="0"/>
-              <a:t>06/05/2025</a:t>
+              <a:t>07/05/2025</a:t>
             </a:fld>
             <a:endParaRPr lang="en-GB"/>
           </a:p>
@@ -1138,7 +1138,7 @@
           <a:p>
             <a:fld id="{CBBB66F6-7471-47DA-8EED-C7BCCA53B015}" type="datetimeFigureOut">
               <a:rPr lang="en-GB" smtClean="0"/>
-              <a:t>06/05/2025</a:t>
+              <a:t>07/05/2025</a:t>
             </a:fld>
             <a:endParaRPr lang="en-GB"/>
           </a:p>
@@ -1354,7 +1354,7 @@
           <a:p>
             <a:fld id="{CBBB66F6-7471-47DA-8EED-C7BCCA53B015}" type="datetimeFigureOut">
               <a:rPr lang="en-GB" smtClean="0"/>
-              <a:t>06/05/2025</a:t>
+              <a:t>07/05/2025</a:t>
             </a:fld>
             <a:endParaRPr lang="en-GB"/>
           </a:p>
@@ -1564,7 +1564,7 @@
           <a:p>
             <a:fld id="{CBBB66F6-7471-47DA-8EED-C7BCCA53B015}" type="datetimeFigureOut">
               <a:rPr lang="en-GB" smtClean="0"/>
-              <a:t>06/05/2025</a:t>
+              <a:t>07/05/2025</a:t>
             </a:fld>
             <a:endParaRPr lang="en-GB"/>
           </a:p>
@@ -1810,7 +1810,7 @@
           <a:p>
             <a:fld id="{CBBB66F6-7471-47DA-8EED-C7BCCA53B015}" type="datetimeFigureOut">
               <a:rPr lang="en-GB" smtClean="0"/>
-              <a:t>06/05/2025</a:t>
+              <a:t>07/05/2025</a:t>
             </a:fld>
             <a:endParaRPr lang="en-GB"/>
           </a:p>
@@ -2102,7 +2102,7 @@
           <a:p>
             <a:fld id="{CBBB66F6-7471-47DA-8EED-C7BCCA53B015}" type="datetimeFigureOut">
               <a:rPr lang="en-GB" smtClean="0"/>
-              <a:t>06/05/2025</a:t>
+              <a:t>07/05/2025</a:t>
             </a:fld>
             <a:endParaRPr lang="en-GB"/>
           </a:p>
@@ -2462,7 +2462,7 @@
           <a:p>
             <a:fld id="{CBBB66F6-7471-47DA-8EED-C7BCCA53B015}" type="datetimeFigureOut">
               <a:rPr lang="en-GB" smtClean="0"/>
-              <a:t>06/05/2025</a:t>
+              <a:t>07/05/2025</a:t>
             </a:fld>
             <a:endParaRPr lang="en-GB"/>
           </a:p>
@@ -2969,7 +2969,7 @@
           <a:p>
             <a:fld id="{CBBB66F6-7471-47DA-8EED-C7BCCA53B015}" type="datetimeFigureOut">
               <a:rPr lang="en-GB" smtClean="0"/>
-              <a:t>06/05/2025</a:t>
+              <a:t>07/05/2025</a:t>
             </a:fld>
             <a:endParaRPr lang="en-GB"/>
           </a:p>
@@ -3127,7 +3127,7 @@
           <a:p>
             <a:fld id="{CBBB66F6-7471-47DA-8EED-C7BCCA53B015}" type="datetimeFigureOut">
               <a:rPr lang="en-GB" smtClean="0"/>
-              <a:t>06/05/2025</a:t>
+              <a:t>07/05/2025</a:t>
             </a:fld>
             <a:endParaRPr lang="en-GB"/>
           </a:p>
@@ -3256,7 +3256,7 @@
           <a:p>
             <a:fld id="{CBBB66F6-7471-47DA-8EED-C7BCCA53B015}" type="datetimeFigureOut">
               <a:rPr lang="en-GB" smtClean="0"/>
-              <a:t>06/05/2025</a:t>
+              <a:t>07/05/2025</a:t>
             </a:fld>
             <a:endParaRPr lang="en-GB"/>
           </a:p>
@@ -3599,7 +3599,7 @@
           <a:p>
             <a:fld id="{CBBB66F6-7471-47DA-8EED-C7BCCA53B015}" type="datetimeFigureOut">
               <a:rPr lang="en-GB" smtClean="0"/>
-              <a:t>06/05/2025</a:t>
+              <a:t>07/05/2025</a:t>
             </a:fld>
             <a:endParaRPr lang="en-GB"/>
           </a:p>
@@ -3888,7 +3888,7 @@
           <a:p>
             <a:fld id="{CBBB66F6-7471-47DA-8EED-C7BCCA53B015}" type="datetimeFigureOut">
               <a:rPr lang="en-GB" smtClean="0"/>
-              <a:t>06/05/2025</a:t>
+              <a:t>07/05/2025</a:t>
             </a:fld>
             <a:endParaRPr lang="en-GB"/>
           </a:p>
@@ -4135,7 +4135,7 @@
           <a:p>
             <a:fld id="{CBBB66F6-7471-47DA-8EED-C7BCCA53B015}" type="datetimeFigureOut">
               <a:rPr lang="en-GB" noProof="0" smtClean="0"/>
-              <a:t>06/05/2025</a:t>
+              <a:t>07/05/2025</a:t>
             </a:fld>
             <a:endParaRPr lang="en-GB" noProof="0" dirty="0"/>
           </a:p>
@@ -6834,8 +6834,15 @@
           </a:p>
           <a:p>
             <a:r>
+              <a:rPr lang="en-GB" dirty="0" err="1"/>
+              <a:t>QRV</a:t>
+            </a:r>
+            <a:endParaRPr lang="en-GB" dirty="0"/>
+          </a:p>
+          <a:p>
+            <a:r>
               <a:rPr lang="en-GB" dirty="0"/>
-              <a:t>Q Codes - Transport</a:t>
+              <a:t>ZEV</a:t>
             </a:r>
           </a:p>
           <a:p>
@@ -6850,12 +6857,6 @@
             <a:r>
               <a:rPr lang="en-GB" dirty="0"/>
               <a:t>) – British Army</a:t>
-            </a:r>
-          </a:p>
-          <a:p>
-            <a:r>
-              <a:rPr lang="en-GB" dirty="0"/>
-              <a:t>Z Codes - NATO</a:t>
             </a:r>
           </a:p>
         </p:txBody>
@@ -6930,6 +6931,76 @@
             <a:r>
               <a:rPr lang="en-GB" sz="3200" i="1" dirty="0"/>
               <a:t>Save Our Souls</a:t>
+            </a:r>
+          </a:p>
+        </p:txBody>
+      </p:sp>
+      <p:sp>
+        <p:nvSpPr>
+          <p:cNvPr id="6" name="TextBox 5">
+            <a:extLst>
+              <a:ext uri="{FF2B5EF4-FFF2-40B4-BE49-F238E27FC236}">
+                <a16:creationId xmlns:a16="http://schemas.microsoft.com/office/drawing/2014/main" id="{0108A4E6-8FF3-4DB4-82A4-A00897415129}"/>
+              </a:ext>
+            </a:extLst>
+          </p:cNvPr>
+          <p:cNvSpPr txBox="1"/>
+          <p:nvPr/>
+        </p:nvSpPr>
+        <p:spPr>
+          <a:xfrm>
+            <a:off x="1880968" y="3929012"/>
+            <a:ext cx="4340099" cy="584775"/>
+          </a:xfrm>
+          <a:prstGeom prst="rect">
+            <a:avLst/>
+          </a:prstGeom>
+          <a:noFill/>
+        </p:spPr>
+        <p:txBody>
+          <a:bodyPr wrap="none" rtlCol="0">
+            <a:spAutoFit/>
+          </a:bodyPr>
+          <a:lstStyle/>
+          <a:p>
+            <a:r>
+              <a:rPr lang="en-GB" sz="3200" dirty="0"/>
+              <a:t>- Q Code: Are you ready?</a:t>
+            </a:r>
+          </a:p>
+        </p:txBody>
+      </p:sp>
+      <p:sp>
+        <p:nvSpPr>
+          <p:cNvPr id="7" name="TextBox 6">
+            <a:extLst>
+              <a:ext uri="{FF2B5EF4-FFF2-40B4-BE49-F238E27FC236}">
+                <a16:creationId xmlns:a16="http://schemas.microsoft.com/office/drawing/2014/main" id="{CC729A72-7625-419B-9E11-298F9F0BAE02}"/>
+              </a:ext>
+            </a:extLst>
+          </p:cNvPr>
+          <p:cNvSpPr txBox="1"/>
+          <p:nvPr/>
+        </p:nvSpPr>
+        <p:spPr>
+          <a:xfrm>
+            <a:off x="1771221" y="4648724"/>
+            <a:ext cx="7623177" cy="584775"/>
+          </a:xfrm>
+          <a:prstGeom prst="rect">
+            <a:avLst/>
+          </a:prstGeom>
+          <a:noFill/>
+        </p:spPr>
+        <p:txBody>
+          <a:bodyPr wrap="none" rtlCol="0">
+            <a:spAutoFit/>
+          </a:bodyPr>
+          <a:lstStyle/>
+          <a:p>
+            <a:r>
+              <a:rPr lang="en-GB" sz="3200" dirty="0"/>
+              <a:t>- Z Code: Request you acknowledge message</a:t>
             </a:r>
           </a:p>
         </p:txBody>
@@ -7100,11 +7171,7 @@
                                           </p:stCondLst>
                                         </p:cTn>
                                         <p:tgtEl>
-                                          <p:spTgt spid="3">
-                                            <p:txEl>
-                                              <p:pRg st="2" end="2"/>
-                                            </p:txEl>
-                                          </p:spTgt>
+                                          <p:spTgt spid="4"/>
                                         </p:tgtEl>
                                         <p:attrNameLst>
                                           <p:attrName>style.visibility</p:attrName>
@@ -7118,11 +7185,7 @@
                                       <p:cBhvr>
                                         <p:cTn id="17" dur="1000"/>
                                         <p:tgtEl>
-                                          <p:spTgt spid="3">
-                                            <p:txEl>
-                                              <p:pRg st="2" end="2"/>
-                                            </p:txEl>
-                                          </p:spTgt>
+                                          <p:spTgt spid="4"/>
                                         </p:tgtEl>
                                       </p:cBhvr>
                                     </p:animEffect>
@@ -7163,7 +7226,7 @@
                                         <p:tgtEl>
                                           <p:spTgt spid="3">
                                             <p:txEl>
-                                              <p:pRg st="3" end="3"/>
+                                              <p:pRg st="2" end="2"/>
                                             </p:txEl>
                                           </p:spTgt>
                                         </p:tgtEl>
@@ -7181,7 +7244,7 @@
                                         <p:tgtEl>
                                           <p:spTgt spid="3">
                                             <p:txEl>
-                                              <p:pRg st="3" end="3"/>
+                                              <p:pRg st="2" end="2"/>
                                             </p:txEl>
                                           </p:spTgt>
                                         </p:tgtEl>
@@ -7222,11 +7285,7 @@
                                           </p:stCondLst>
                                         </p:cTn>
                                         <p:tgtEl>
-                                          <p:spTgt spid="3">
-                                            <p:txEl>
-                                              <p:pRg st="4" end="4"/>
-                                            </p:txEl>
-                                          </p:spTgt>
+                                          <p:spTgt spid="5"/>
                                         </p:tgtEl>
                                         <p:attrNameLst>
                                           <p:attrName>style.visibility</p:attrName>
@@ -7238,13 +7297,9 @@
                                     </p:set>
                                     <p:animEffect transition="in" filter="wipe(left)">
                                       <p:cBhvr>
-                                        <p:cTn id="27" dur="1250"/>
+                                        <p:cTn id="27" dur="1000"/>
                                         <p:tgtEl>
-                                          <p:spTgt spid="3">
-                                            <p:txEl>
-                                              <p:pRg st="4" end="4"/>
-                                            </p:txEl>
-                                          </p:spTgt>
+                                          <p:spTgt spid="5"/>
                                         </p:tgtEl>
                                       </p:cBhvr>
                                     </p:animEffect>
@@ -7285,6 +7340,234 @@
                                         <p:tgtEl>
                                           <p:spTgt spid="3">
                                             <p:txEl>
+                                              <p:pRg st="3" end="3"/>
+                                            </p:txEl>
+                                          </p:spTgt>
+                                        </p:tgtEl>
+                                        <p:attrNameLst>
+                                          <p:attrName>style.visibility</p:attrName>
+                                        </p:attrNameLst>
+                                      </p:cBhvr>
+                                      <p:to>
+                                        <p:strVal val="visible"/>
+                                      </p:to>
+                                    </p:set>
+                                    <p:animEffect transition="in" filter="wipe(left)">
+                                      <p:cBhvr>
+                                        <p:cTn id="32" dur="1000"/>
+                                        <p:tgtEl>
+                                          <p:spTgt spid="3">
+                                            <p:txEl>
+                                              <p:pRg st="3" end="3"/>
+                                            </p:txEl>
+                                          </p:spTgt>
+                                        </p:tgtEl>
+                                      </p:cBhvr>
+                                    </p:animEffect>
+                                  </p:childTnLst>
+                                </p:cTn>
+                              </p:par>
+                            </p:childTnLst>
+                          </p:cTn>
+                        </p:par>
+                      </p:childTnLst>
+                    </p:cTn>
+                  </p:par>
+                  <p:par>
+                    <p:cTn id="33" fill="hold">
+                      <p:stCondLst>
+                        <p:cond delay="indefinite"/>
+                      </p:stCondLst>
+                      <p:childTnLst>
+                        <p:par>
+                          <p:cTn id="34" fill="hold">
+                            <p:stCondLst>
+                              <p:cond delay="0"/>
+                            </p:stCondLst>
+                            <p:childTnLst>
+                              <p:par>
+                                <p:cTn id="35" presetID="22" presetClass="entr" presetSubtype="8" fill="hold" grpId="0" nodeType="clickEffect">
+                                  <p:stCondLst>
+                                    <p:cond delay="0"/>
+                                  </p:stCondLst>
+                                  <p:childTnLst>
+                                    <p:set>
+                                      <p:cBhvr>
+                                        <p:cTn id="36" dur="1" fill="hold">
+                                          <p:stCondLst>
+                                            <p:cond delay="0"/>
+                                          </p:stCondLst>
+                                        </p:cTn>
+                                        <p:tgtEl>
+                                          <p:spTgt spid="6"/>
+                                        </p:tgtEl>
+                                        <p:attrNameLst>
+                                          <p:attrName>style.visibility</p:attrName>
+                                        </p:attrNameLst>
+                                      </p:cBhvr>
+                                      <p:to>
+                                        <p:strVal val="visible"/>
+                                      </p:to>
+                                    </p:set>
+                                    <p:animEffect transition="in" filter="wipe(left)">
+                                      <p:cBhvr>
+                                        <p:cTn id="37" dur="1500"/>
+                                        <p:tgtEl>
+                                          <p:spTgt spid="6"/>
+                                        </p:tgtEl>
+                                      </p:cBhvr>
+                                    </p:animEffect>
+                                  </p:childTnLst>
+                                </p:cTn>
+                              </p:par>
+                            </p:childTnLst>
+                          </p:cTn>
+                        </p:par>
+                      </p:childTnLst>
+                    </p:cTn>
+                  </p:par>
+                  <p:par>
+                    <p:cTn id="38" fill="hold">
+                      <p:stCondLst>
+                        <p:cond delay="indefinite"/>
+                      </p:stCondLst>
+                      <p:childTnLst>
+                        <p:par>
+                          <p:cTn id="39" fill="hold">
+                            <p:stCondLst>
+                              <p:cond delay="0"/>
+                            </p:stCondLst>
+                            <p:childTnLst>
+                              <p:par>
+                                <p:cTn id="40" presetID="22" presetClass="entr" presetSubtype="8" fill="hold" grpId="0" nodeType="clickEffect">
+                                  <p:stCondLst>
+                                    <p:cond delay="0"/>
+                                  </p:stCondLst>
+                                  <p:childTnLst>
+                                    <p:set>
+                                      <p:cBhvr>
+                                        <p:cTn id="41" dur="1" fill="hold">
+                                          <p:stCondLst>
+                                            <p:cond delay="0"/>
+                                          </p:stCondLst>
+                                        </p:cTn>
+                                        <p:tgtEl>
+                                          <p:spTgt spid="3">
+                                            <p:txEl>
+                                              <p:pRg st="4" end="4"/>
+                                            </p:txEl>
+                                          </p:spTgt>
+                                        </p:tgtEl>
+                                        <p:attrNameLst>
+                                          <p:attrName>style.visibility</p:attrName>
+                                        </p:attrNameLst>
+                                      </p:cBhvr>
+                                      <p:to>
+                                        <p:strVal val="visible"/>
+                                      </p:to>
+                                    </p:set>
+                                    <p:animEffect transition="in" filter="wipe(left)">
+                                      <p:cBhvr>
+                                        <p:cTn id="42" dur="1000"/>
+                                        <p:tgtEl>
+                                          <p:spTgt spid="3">
+                                            <p:txEl>
+                                              <p:pRg st="4" end="4"/>
+                                            </p:txEl>
+                                          </p:spTgt>
+                                        </p:tgtEl>
+                                      </p:cBhvr>
+                                    </p:animEffect>
+                                  </p:childTnLst>
+                                </p:cTn>
+                              </p:par>
+                            </p:childTnLst>
+                          </p:cTn>
+                        </p:par>
+                      </p:childTnLst>
+                    </p:cTn>
+                  </p:par>
+                  <p:par>
+                    <p:cTn id="43" fill="hold">
+                      <p:stCondLst>
+                        <p:cond delay="indefinite"/>
+                      </p:stCondLst>
+                      <p:childTnLst>
+                        <p:par>
+                          <p:cTn id="44" fill="hold">
+                            <p:stCondLst>
+                              <p:cond delay="0"/>
+                            </p:stCondLst>
+                            <p:childTnLst>
+                              <p:par>
+                                <p:cTn id="45" presetID="22" presetClass="entr" presetSubtype="8" fill="hold" grpId="0" nodeType="clickEffect">
+                                  <p:stCondLst>
+                                    <p:cond delay="0"/>
+                                  </p:stCondLst>
+                                  <p:childTnLst>
+                                    <p:set>
+                                      <p:cBhvr>
+                                        <p:cTn id="46" dur="1" fill="hold">
+                                          <p:stCondLst>
+                                            <p:cond delay="0"/>
+                                          </p:stCondLst>
+                                        </p:cTn>
+                                        <p:tgtEl>
+                                          <p:spTgt spid="7"/>
+                                        </p:tgtEl>
+                                        <p:attrNameLst>
+                                          <p:attrName>style.visibility</p:attrName>
+                                        </p:attrNameLst>
+                                      </p:cBhvr>
+                                      <p:to>
+                                        <p:strVal val="visible"/>
+                                      </p:to>
+                                    </p:set>
+                                    <p:animEffect transition="in" filter="wipe(left)">
+                                      <p:cBhvr>
+                                        <p:cTn id="47" dur="2000"/>
+                                        <p:tgtEl>
+                                          <p:spTgt spid="7"/>
+                                        </p:tgtEl>
+                                      </p:cBhvr>
+                                    </p:animEffect>
+                                  </p:childTnLst>
+                                </p:cTn>
+                              </p:par>
+                            </p:childTnLst>
+                          </p:cTn>
+                        </p:par>
+                      </p:childTnLst>
+                    </p:cTn>
+                  </p:par>
+                  <p:par>
+                    <p:cTn id="48" fill="hold">
+                      <p:stCondLst>
+                        <p:cond delay="indefinite"/>
+                      </p:stCondLst>
+                      <p:childTnLst>
+                        <p:par>
+                          <p:cTn id="49" fill="hold">
+                            <p:stCondLst>
+                              <p:cond delay="0"/>
+                            </p:stCondLst>
+                            <p:childTnLst>
+                              <p:par>
+                                <p:cTn id="50" presetID="22" presetClass="entr" presetSubtype="8" fill="hold" grpId="0" nodeType="clickEffect">
+                                  <p:stCondLst>
+                                    <p:cond delay="0"/>
+                                  </p:stCondLst>
+                                  <p:childTnLst>
+                                    <p:set>
+                                      <p:cBhvr>
+                                        <p:cTn id="51" dur="1" fill="hold">
+                                          <p:stCondLst>
+                                            <p:cond delay="0"/>
+                                          </p:stCondLst>
+                                        </p:cTn>
+                                        <p:tgtEl>
+                                          <p:spTgt spid="3">
+                                            <p:txEl>
                                               <p:pRg st="5" end="5"/>
                                             </p:txEl>
                                           </p:spTgt>
@@ -7299,7 +7582,7 @@
                                     </p:set>
                                     <p:animEffect transition="in" filter="wipe(left)">
                                       <p:cBhvr>
-                                        <p:cTn id="32" dur="1000"/>
+                                        <p:cTn id="52" dur="1500"/>
                                         <p:tgtEl>
                                           <p:spTgt spid="3">
                                             <p:txEl>
@@ -7341,6 +7624,10 @@
     </p:tnLst>
     <p:bldLst>
       <p:bldP spid="3" grpId="0" uiExpand="1" build="p"/>
+      <p:bldP spid="4" grpId="0"/>
+      <p:bldP spid="5" grpId="0"/>
+      <p:bldP spid="6" grpId="0"/>
+      <p:bldP spid="7" grpId="0"/>
     </p:bldLst>
   </p:timing>
 </p:sld>

--- a/s1/S1 CS Slides.pptx
+++ b/s1/S1 CS Slides.pptx
@@ -5,7 +5,7 @@
     <p:sldMasterId id="2147483648" r:id="rId1"/>
   </p:sldMasterIdLst>
   <p:notesMasterIdLst>
-    <p:notesMasterId r:id="rId9"/>
+    <p:notesMasterId r:id="rId13"/>
   </p:notesMasterIdLst>
   <p:sldIdLst>
     <p:sldId id="262" r:id="rId2"/>
@@ -15,6 +15,10 @@
     <p:sldId id="267" r:id="rId6"/>
     <p:sldId id="266" r:id="rId7"/>
     <p:sldId id="268" r:id="rId8"/>
+    <p:sldId id="269" r:id="rId9"/>
+    <p:sldId id="272" r:id="rId10"/>
+    <p:sldId id="270" r:id="rId11"/>
+    <p:sldId id="271" r:id="rId12"/>
   </p:sldIdLst>
   <p:sldSz cx="12192000" cy="6858000"/>
   <p:notesSz cx="7102475" cy="10234613"/>
@@ -135,6 +139,14 @@
             <p14:sldId id="268"/>
           </p14:sldIdLst>
         </p14:section>
+        <p14:section name="iDEA Award" id="{DC07E008-E0CF-4EAA-96DA-3F06DA55619E}">
+          <p14:sldIdLst>
+            <p14:sldId id="269"/>
+            <p14:sldId id="272"/>
+            <p14:sldId id="270"/>
+            <p14:sldId id="271"/>
+          </p14:sldIdLst>
+        </p14:section>
       </p14:sectionLst>
     </p:ext>
     <p:ext uri="{EFAFB233-063F-42B5-8137-9DF3F51BA10A}">
@@ -161,6 +173,14 @@
 </p:cmAuthorLst>
 </file>
 
+<file path=ppt/revisionInfo.xml><?xml version="1.0" encoding="utf-8"?>
+<p1510:revInfo xmlns:a="http://schemas.openxmlformats.org/drawingml/2006/main" xmlns:r="http://schemas.openxmlformats.org/officeDocument/2006/relationships" xmlns:p1510="http://schemas.microsoft.com/office/powerpoint/2015/10/main">
+  <p1510:revLst>
+    <p1510:client id="{858C20F7-B2D2-42EC-A58B-025050ABFACB}" v="340" dt="2025-05-12T19:11:41.992"/>
+  </p1510:revLst>
+</p1510:revInfo>
+</file>
+
 <file path=ppt/notesMasters/notesMaster1.xml><?xml version="1.0" encoding="utf-8"?>
 <p:notesMaster xmlns:a="http://schemas.openxmlformats.org/drawingml/2006/main" xmlns:r="http://schemas.openxmlformats.org/officeDocument/2006/relationships" xmlns:p="http://schemas.openxmlformats.org/presentationml/2006/main">
   <p:cSld>
@@ -243,7 +263,7 @@
           <a:p>
             <a:fld id="{0E35528A-819C-4AD3-BDC3-2CDCE7BEAF53}" type="datetimeFigureOut">
               <a:rPr lang="en-GB" smtClean="0"/>
-              <a:t>07/05/2025</a:t>
+              <a:t>13/05/2025</a:t>
             </a:fld>
             <a:endParaRPr lang="en-GB"/>
           </a:p>
@@ -989,6 +1009,333 @@
 </p:notes>
 </file>
 
+<file path=ppt/notesSlides/notesSlide6.xml><?xml version="1.0" encoding="utf-8"?>
+<p:notes xmlns:a="http://schemas.openxmlformats.org/drawingml/2006/main" xmlns:r="http://schemas.openxmlformats.org/officeDocument/2006/relationships" xmlns:p="http://schemas.openxmlformats.org/presentationml/2006/main">
+  <p:cSld>
+    <p:spTree>
+      <p:nvGrpSpPr>
+        <p:cNvPr id="1" name="">
+          <a:extLst>
+            <a:ext uri="{FF2B5EF4-FFF2-40B4-BE49-F238E27FC236}">
+              <a16:creationId xmlns:a16="http://schemas.microsoft.com/office/drawing/2014/main" id="{892964BB-7D85-3557-B4C1-140CBC03AE35}"/>
+            </a:ext>
+          </a:extLst>
+        </p:cNvPr>
+        <p:cNvGrpSpPr/>
+        <p:nvPr/>
+      </p:nvGrpSpPr>
+      <p:grpSpPr>
+        <a:xfrm>
+          <a:off x="0" y="0"/>
+          <a:ext cx="0" cy="0"/>
+          <a:chOff x="0" y="0"/>
+          <a:chExt cx="0" cy="0"/>
+        </a:xfrm>
+      </p:grpSpPr>
+      <p:sp>
+        <p:nvSpPr>
+          <p:cNvPr id="2" name="Slide Image Placeholder 1">
+            <a:extLst>
+              <a:ext uri="{FF2B5EF4-FFF2-40B4-BE49-F238E27FC236}">
+                <a16:creationId xmlns:a16="http://schemas.microsoft.com/office/drawing/2014/main" id="{B296D543-A667-1370-DE66-7BEF4E590099}"/>
+              </a:ext>
+            </a:extLst>
+          </p:cNvPr>
+          <p:cNvSpPr>
+            <a:spLocks noGrp="1" noRot="1" noChangeAspect="1"/>
+          </p:cNvSpPr>
+          <p:nvPr>
+            <p:ph type="sldImg"/>
+          </p:nvPr>
+        </p:nvSpPr>
+        <p:spPr/>
+      </p:sp>
+      <p:sp>
+        <p:nvSpPr>
+          <p:cNvPr id="3" name="Notes Placeholder 2">
+            <a:extLst>
+              <a:ext uri="{FF2B5EF4-FFF2-40B4-BE49-F238E27FC236}">
+                <a16:creationId xmlns:a16="http://schemas.microsoft.com/office/drawing/2014/main" id="{C3AB2AAC-447E-AE92-B06E-0E98E69D2A84}"/>
+              </a:ext>
+            </a:extLst>
+          </p:cNvPr>
+          <p:cNvSpPr>
+            <a:spLocks noGrp="1"/>
+          </p:cNvSpPr>
+          <p:nvPr>
+            <p:ph type="body" idx="1"/>
+          </p:nvPr>
+        </p:nvSpPr>
+        <p:spPr/>
+        <p:txBody>
+          <a:bodyPr/>
+          <a:lstStyle/>
+          <a:p>
+            <a:r>
+              <a:rPr lang="en-GB" dirty="0"/>
+              <a:t>C.7Fbe4MCp8H=x!</a:t>
+            </a:r>
+          </a:p>
+        </p:txBody>
+      </p:sp>
+      <p:sp>
+        <p:nvSpPr>
+          <p:cNvPr id="4" name="Slide Number Placeholder 3">
+            <a:extLst>
+              <a:ext uri="{FF2B5EF4-FFF2-40B4-BE49-F238E27FC236}">
+                <a16:creationId xmlns:a16="http://schemas.microsoft.com/office/drawing/2014/main" id="{A6792CAF-B5F9-552D-FD0F-06AF084DED82}"/>
+              </a:ext>
+            </a:extLst>
+          </p:cNvPr>
+          <p:cNvSpPr>
+            <a:spLocks noGrp="1"/>
+          </p:cNvSpPr>
+          <p:nvPr>
+            <p:ph type="sldNum" sz="quarter" idx="5"/>
+          </p:nvPr>
+        </p:nvSpPr>
+        <p:spPr/>
+        <p:txBody>
+          <a:bodyPr/>
+          <a:lstStyle/>
+          <a:p>
+            <a:fld id="{B71FE5B5-A979-4370-A255-218EAB36A5F4}" type="slidenum">
+              <a:rPr lang="en-GB" smtClean="0"/>
+              <a:t>9</a:t>
+            </a:fld>
+            <a:endParaRPr lang="en-GB"/>
+          </a:p>
+        </p:txBody>
+      </p:sp>
+    </p:spTree>
+    <p:extLst>
+      <p:ext uri="{BB962C8B-B14F-4D97-AF65-F5344CB8AC3E}">
+        <p14:creationId xmlns:p14="http://schemas.microsoft.com/office/powerpoint/2010/main" val="618421528"/>
+      </p:ext>
+    </p:extLst>
+  </p:cSld>
+  <p:clrMapOvr>
+    <a:masterClrMapping/>
+  </p:clrMapOvr>
+</p:notes>
+</file>
+
+<file path=ppt/notesSlides/notesSlide7.xml><?xml version="1.0" encoding="utf-8"?>
+<p:notes xmlns:a="http://schemas.openxmlformats.org/drawingml/2006/main" xmlns:r="http://schemas.openxmlformats.org/officeDocument/2006/relationships" xmlns:p="http://schemas.openxmlformats.org/presentationml/2006/main">
+  <p:cSld>
+    <p:spTree>
+      <p:nvGrpSpPr>
+        <p:cNvPr id="1" name="">
+          <a:extLst>
+            <a:ext uri="{FF2B5EF4-FFF2-40B4-BE49-F238E27FC236}">
+              <a16:creationId xmlns:a16="http://schemas.microsoft.com/office/drawing/2014/main" id="{892964BB-7D85-3557-B4C1-140CBC03AE35}"/>
+            </a:ext>
+          </a:extLst>
+        </p:cNvPr>
+        <p:cNvGrpSpPr/>
+        <p:nvPr/>
+      </p:nvGrpSpPr>
+      <p:grpSpPr>
+        <a:xfrm>
+          <a:off x="0" y="0"/>
+          <a:ext cx="0" cy="0"/>
+          <a:chOff x="0" y="0"/>
+          <a:chExt cx="0" cy="0"/>
+        </a:xfrm>
+      </p:grpSpPr>
+      <p:sp>
+        <p:nvSpPr>
+          <p:cNvPr id="2" name="Slide Image Placeholder 1">
+            <a:extLst>
+              <a:ext uri="{FF2B5EF4-FFF2-40B4-BE49-F238E27FC236}">
+                <a16:creationId xmlns:a16="http://schemas.microsoft.com/office/drawing/2014/main" id="{B296D543-A667-1370-DE66-7BEF4E590099}"/>
+              </a:ext>
+            </a:extLst>
+          </p:cNvPr>
+          <p:cNvSpPr>
+            <a:spLocks noGrp="1" noRot="1" noChangeAspect="1"/>
+          </p:cNvSpPr>
+          <p:nvPr>
+            <p:ph type="sldImg"/>
+          </p:nvPr>
+        </p:nvSpPr>
+        <p:spPr/>
+      </p:sp>
+      <p:sp>
+        <p:nvSpPr>
+          <p:cNvPr id="3" name="Notes Placeholder 2">
+            <a:extLst>
+              <a:ext uri="{FF2B5EF4-FFF2-40B4-BE49-F238E27FC236}">
+                <a16:creationId xmlns:a16="http://schemas.microsoft.com/office/drawing/2014/main" id="{C3AB2AAC-447E-AE92-B06E-0E98E69D2A84}"/>
+              </a:ext>
+            </a:extLst>
+          </p:cNvPr>
+          <p:cNvSpPr>
+            <a:spLocks noGrp="1"/>
+          </p:cNvSpPr>
+          <p:nvPr>
+            <p:ph type="body" idx="1"/>
+          </p:nvPr>
+        </p:nvSpPr>
+        <p:spPr/>
+        <p:txBody>
+          <a:bodyPr/>
+          <a:lstStyle/>
+          <a:p>
+            <a:endParaRPr lang="en-GB" dirty="0"/>
+          </a:p>
+        </p:txBody>
+      </p:sp>
+      <p:sp>
+        <p:nvSpPr>
+          <p:cNvPr id="4" name="Slide Number Placeholder 3">
+            <a:extLst>
+              <a:ext uri="{FF2B5EF4-FFF2-40B4-BE49-F238E27FC236}">
+                <a16:creationId xmlns:a16="http://schemas.microsoft.com/office/drawing/2014/main" id="{A6792CAF-B5F9-552D-FD0F-06AF084DED82}"/>
+              </a:ext>
+            </a:extLst>
+          </p:cNvPr>
+          <p:cNvSpPr>
+            <a:spLocks noGrp="1"/>
+          </p:cNvSpPr>
+          <p:nvPr>
+            <p:ph type="sldNum" sz="quarter" idx="5"/>
+          </p:nvPr>
+        </p:nvSpPr>
+        <p:spPr/>
+        <p:txBody>
+          <a:bodyPr/>
+          <a:lstStyle/>
+          <a:p>
+            <a:fld id="{B71FE5B5-A979-4370-A255-218EAB36A5F4}" type="slidenum">
+              <a:rPr lang="en-GB" smtClean="0"/>
+              <a:t>10</a:t>
+            </a:fld>
+            <a:endParaRPr lang="en-GB"/>
+          </a:p>
+        </p:txBody>
+      </p:sp>
+    </p:spTree>
+    <p:extLst>
+      <p:ext uri="{BB962C8B-B14F-4D97-AF65-F5344CB8AC3E}">
+        <p14:creationId xmlns:p14="http://schemas.microsoft.com/office/powerpoint/2010/main" val="1900589408"/>
+      </p:ext>
+    </p:extLst>
+  </p:cSld>
+  <p:clrMapOvr>
+    <a:masterClrMapping/>
+  </p:clrMapOvr>
+</p:notes>
+</file>
+
+<file path=ppt/notesSlides/notesSlide8.xml><?xml version="1.0" encoding="utf-8"?>
+<p:notes xmlns:a="http://schemas.openxmlformats.org/drawingml/2006/main" xmlns:r="http://schemas.openxmlformats.org/officeDocument/2006/relationships" xmlns:p="http://schemas.openxmlformats.org/presentationml/2006/main">
+  <p:cSld>
+    <p:spTree>
+      <p:nvGrpSpPr>
+        <p:cNvPr id="1" name="">
+          <a:extLst>
+            <a:ext uri="{FF2B5EF4-FFF2-40B4-BE49-F238E27FC236}">
+              <a16:creationId xmlns:a16="http://schemas.microsoft.com/office/drawing/2014/main" id="{3A54315D-424F-F713-CEB8-011B84902356}"/>
+            </a:ext>
+          </a:extLst>
+        </p:cNvPr>
+        <p:cNvGrpSpPr/>
+        <p:nvPr/>
+      </p:nvGrpSpPr>
+      <p:grpSpPr>
+        <a:xfrm>
+          <a:off x="0" y="0"/>
+          <a:ext cx="0" cy="0"/>
+          <a:chOff x="0" y="0"/>
+          <a:chExt cx="0" cy="0"/>
+        </a:xfrm>
+      </p:grpSpPr>
+      <p:sp>
+        <p:nvSpPr>
+          <p:cNvPr id="2" name="Slide Image Placeholder 1">
+            <a:extLst>
+              <a:ext uri="{FF2B5EF4-FFF2-40B4-BE49-F238E27FC236}">
+                <a16:creationId xmlns:a16="http://schemas.microsoft.com/office/drawing/2014/main" id="{FBEA6347-9F27-CE45-A829-AF5A3A922965}"/>
+              </a:ext>
+            </a:extLst>
+          </p:cNvPr>
+          <p:cNvSpPr>
+            <a:spLocks noGrp="1" noRot="1" noChangeAspect="1"/>
+          </p:cNvSpPr>
+          <p:nvPr>
+            <p:ph type="sldImg"/>
+          </p:nvPr>
+        </p:nvSpPr>
+        <p:spPr/>
+      </p:sp>
+      <p:sp>
+        <p:nvSpPr>
+          <p:cNvPr id="3" name="Notes Placeholder 2">
+            <a:extLst>
+              <a:ext uri="{FF2B5EF4-FFF2-40B4-BE49-F238E27FC236}">
+                <a16:creationId xmlns:a16="http://schemas.microsoft.com/office/drawing/2014/main" id="{77F2E814-1A02-5CF1-76F4-897B90EFDD77}"/>
+              </a:ext>
+            </a:extLst>
+          </p:cNvPr>
+          <p:cNvSpPr>
+            <a:spLocks noGrp="1"/>
+          </p:cNvSpPr>
+          <p:nvPr>
+            <p:ph type="body" idx="1"/>
+          </p:nvPr>
+        </p:nvSpPr>
+        <p:spPr/>
+        <p:txBody>
+          <a:bodyPr/>
+          <a:lstStyle/>
+          <a:p>
+            <a:endParaRPr lang="en-GB" dirty="0"/>
+          </a:p>
+        </p:txBody>
+      </p:sp>
+      <p:sp>
+        <p:nvSpPr>
+          <p:cNvPr id="4" name="Slide Number Placeholder 3">
+            <a:extLst>
+              <a:ext uri="{FF2B5EF4-FFF2-40B4-BE49-F238E27FC236}">
+                <a16:creationId xmlns:a16="http://schemas.microsoft.com/office/drawing/2014/main" id="{775EBFCE-BA75-8F42-80A8-27F5A5F5F0D4}"/>
+              </a:ext>
+            </a:extLst>
+          </p:cNvPr>
+          <p:cNvSpPr>
+            <a:spLocks noGrp="1"/>
+          </p:cNvSpPr>
+          <p:nvPr>
+            <p:ph type="sldNum" sz="quarter" idx="5"/>
+          </p:nvPr>
+        </p:nvSpPr>
+        <p:spPr/>
+        <p:txBody>
+          <a:bodyPr/>
+          <a:lstStyle/>
+          <a:p>
+            <a:fld id="{B71FE5B5-A979-4370-A255-218EAB36A5F4}" type="slidenum">
+              <a:rPr lang="en-GB" smtClean="0"/>
+              <a:t>11</a:t>
+            </a:fld>
+            <a:endParaRPr lang="en-GB"/>
+          </a:p>
+        </p:txBody>
+      </p:sp>
+    </p:spTree>
+    <p:extLst>
+      <p:ext uri="{BB962C8B-B14F-4D97-AF65-F5344CB8AC3E}">
+        <p14:creationId xmlns:p14="http://schemas.microsoft.com/office/powerpoint/2010/main" val="2507991425"/>
+      </p:ext>
+    </p:extLst>
+  </p:cSld>
+  <p:clrMapOvr>
+    <a:masterClrMapping/>
+  </p:clrMapOvr>
+</p:notes>
+</file>
+
 <file path=ppt/slideLayouts/slideLayout1.xml><?xml version="1.0" encoding="utf-8"?>
 <p:sldLayout xmlns:a="http://schemas.openxmlformats.org/drawingml/2006/main" xmlns:r="http://schemas.openxmlformats.org/officeDocument/2006/relationships" xmlns:p="http://schemas.openxmlformats.org/presentationml/2006/main" type="title" preserve="1">
   <p:cSld name="Title Slide">
@@ -1138,7 +1485,7 @@
           <a:p>
             <a:fld id="{CBBB66F6-7471-47DA-8EED-C7BCCA53B015}" type="datetimeFigureOut">
               <a:rPr lang="en-GB" smtClean="0"/>
-              <a:t>07/05/2025</a:t>
+              <a:t>13/05/2025</a:t>
             </a:fld>
             <a:endParaRPr lang="en-GB"/>
           </a:p>
@@ -1354,7 +1701,7 @@
           <a:p>
             <a:fld id="{CBBB66F6-7471-47DA-8EED-C7BCCA53B015}" type="datetimeFigureOut">
               <a:rPr lang="en-GB" smtClean="0"/>
-              <a:t>07/05/2025</a:t>
+              <a:t>13/05/2025</a:t>
             </a:fld>
             <a:endParaRPr lang="en-GB"/>
           </a:p>
@@ -1564,7 +1911,7 @@
           <a:p>
             <a:fld id="{CBBB66F6-7471-47DA-8EED-C7BCCA53B015}" type="datetimeFigureOut">
               <a:rPr lang="en-GB" smtClean="0"/>
-              <a:t>07/05/2025</a:t>
+              <a:t>13/05/2025</a:t>
             </a:fld>
             <a:endParaRPr lang="en-GB"/>
           </a:p>
@@ -1810,7 +2157,7 @@
           <a:p>
             <a:fld id="{CBBB66F6-7471-47DA-8EED-C7BCCA53B015}" type="datetimeFigureOut">
               <a:rPr lang="en-GB" smtClean="0"/>
-              <a:t>07/05/2025</a:t>
+              <a:t>13/05/2025</a:t>
             </a:fld>
             <a:endParaRPr lang="en-GB"/>
           </a:p>
@@ -2102,7 +2449,7 @@
           <a:p>
             <a:fld id="{CBBB66F6-7471-47DA-8EED-C7BCCA53B015}" type="datetimeFigureOut">
               <a:rPr lang="en-GB" smtClean="0"/>
-              <a:t>07/05/2025</a:t>
+              <a:t>13/05/2025</a:t>
             </a:fld>
             <a:endParaRPr lang="en-GB"/>
           </a:p>
@@ -2462,7 +2809,7 @@
           <a:p>
             <a:fld id="{CBBB66F6-7471-47DA-8EED-C7BCCA53B015}" type="datetimeFigureOut">
               <a:rPr lang="en-GB" smtClean="0"/>
-              <a:t>07/05/2025</a:t>
+              <a:t>13/05/2025</a:t>
             </a:fld>
             <a:endParaRPr lang="en-GB"/>
           </a:p>
@@ -2969,7 +3316,7 @@
           <a:p>
             <a:fld id="{CBBB66F6-7471-47DA-8EED-C7BCCA53B015}" type="datetimeFigureOut">
               <a:rPr lang="en-GB" smtClean="0"/>
-              <a:t>07/05/2025</a:t>
+              <a:t>13/05/2025</a:t>
             </a:fld>
             <a:endParaRPr lang="en-GB"/>
           </a:p>
@@ -3127,7 +3474,7 @@
           <a:p>
             <a:fld id="{CBBB66F6-7471-47DA-8EED-C7BCCA53B015}" type="datetimeFigureOut">
               <a:rPr lang="en-GB" smtClean="0"/>
-              <a:t>07/05/2025</a:t>
+              <a:t>13/05/2025</a:t>
             </a:fld>
             <a:endParaRPr lang="en-GB"/>
           </a:p>
@@ -3256,7 +3603,7 @@
           <a:p>
             <a:fld id="{CBBB66F6-7471-47DA-8EED-C7BCCA53B015}" type="datetimeFigureOut">
               <a:rPr lang="en-GB" smtClean="0"/>
-              <a:t>07/05/2025</a:t>
+              <a:t>13/05/2025</a:t>
             </a:fld>
             <a:endParaRPr lang="en-GB"/>
           </a:p>
@@ -3599,7 +3946,7 @@
           <a:p>
             <a:fld id="{CBBB66F6-7471-47DA-8EED-C7BCCA53B015}" type="datetimeFigureOut">
               <a:rPr lang="en-GB" smtClean="0"/>
-              <a:t>07/05/2025</a:t>
+              <a:t>13/05/2025</a:t>
             </a:fld>
             <a:endParaRPr lang="en-GB"/>
           </a:p>
@@ -3888,7 +4235,7 @@
           <a:p>
             <a:fld id="{CBBB66F6-7471-47DA-8EED-C7BCCA53B015}" type="datetimeFigureOut">
               <a:rPr lang="en-GB" smtClean="0"/>
-              <a:t>07/05/2025</a:t>
+              <a:t>13/05/2025</a:t>
             </a:fld>
             <a:endParaRPr lang="en-GB"/>
           </a:p>
@@ -4135,7 +4482,7 @@
           <a:p>
             <a:fld id="{CBBB66F6-7471-47DA-8EED-C7BCCA53B015}" type="datetimeFigureOut">
               <a:rPr lang="en-GB" noProof="0" smtClean="0"/>
-              <a:t>07/05/2025</a:t>
+              <a:t>13/05/2025</a:t>
             </a:fld>
             <a:endParaRPr lang="en-GB" noProof="0" dirty="0"/>
           </a:p>
@@ -4619,6 +4966,1124 @@
   <p:clrMapOvr>
     <a:masterClrMapping/>
   </p:clrMapOvr>
+</p:sld>
+</file>
+
+<file path=ppt/slides/slide10.xml><?xml version="1.0" encoding="utf-8"?>
+<p:sld xmlns:a="http://schemas.openxmlformats.org/drawingml/2006/main" xmlns:r="http://schemas.openxmlformats.org/officeDocument/2006/relationships" xmlns:p="http://schemas.openxmlformats.org/presentationml/2006/main">
+  <p:cSld>
+    <p:spTree>
+      <p:nvGrpSpPr>
+        <p:cNvPr id="1" name="">
+          <a:extLst>
+            <a:ext uri="{FF2B5EF4-FFF2-40B4-BE49-F238E27FC236}">
+              <a16:creationId xmlns:a16="http://schemas.microsoft.com/office/drawing/2014/main" id="{EA2AA212-8D61-7E0A-251F-1EA18250BF99}"/>
+            </a:ext>
+          </a:extLst>
+        </p:cNvPr>
+        <p:cNvGrpSpPr/>
+        <p:nvPr/>
+      </p:nvGrpSpPr>
+      <p:grpSpPr>
+        <a:xfrm>
+          <a:off x="0" y="0"/>
+          <a:ext cx="0" cy="0"/>
+          <a:chOff x="0" y="0"/>
+          <a:chExt cx="0" cy="0"/>
+        </a:xfrm>
+      </p:grpSpPr>
+      <p:sp>
+        <p:nvSpPr>
+          <p:cNvPr id="2" name="Title 1">
+            <a:extLst>
+              <a:ext uri="{FF2B5EF4-FFF2-40B4-BE49-F238E27FC236}">
+                <a16:creationId xmlns:a16="http://schemas.microsoft.com/office/drawing/2014/main" id="{BD8E1C6B-788B-C8A6-B07D-8BE93BA4208B}"/>
+              </a:ext>
+            </a:extLst>
+          </p:cNvPr>
+          <p:cNvSpPr>
+            <a:spLocks noGrp="1"/>
+          </p:cNvSpPr>
+          <p:nvPr>
+            <p:ph type="title"/>
+          </p:nvPr>
+        </p:nvSpPr>
+        <p:spPr/>
+        <p:txBody>
+          <a:bodyPr/>
+          <a:lstStyle/>
+          <a:p>
+            <a:r>
+              <a:rPr lang="en-GB" dirty="0"/>
+              <a:t>Sign Up (1)</a:t>
+            </a:r>
+          </a:p>
+        </p:txBody>
+      </p:sp>
+      <p:sp>
+        <p:nvSpPr>
+          <p:cNvPr id="3" name="Content Placeholder 2">
+            <a:extLst>
+              <a:ext uri="{FF2B5EF4-FFF2-40B4-BE49-F238E27FC236}">
+                <a16:creationId xmlns:a16="http://schemas.microsoft.com/office/drawing/2014/main" id="{C2025B6F-5918-AEC0-2CC2-248B1B81F7DD}"/>
+              </a:ext>
+            </a:extLst>
+          </p:cNvPr>
+          <p:cNvSpPr>
+            <a:spLocks noGrp="1"/>
+          </p:cNvSpPr>
+          <p:nvPr>
+            <p:ph idx="1"/>
+          </p:nvPr>
+        </p:nvSpPr>
+        <p:spPr/>
+        <p:txBody>
+          <a:bodyPr>
+            <a:normAutofit/>
+          </a:bodyPr>
+          <a:lstStyle/>
+          <a:p>
+            <a:r>
+              <a:rPr lang="en-GB" sz="4000" dirty="0"/>
+              <a:t>Website: </a:t>
+            </a:r>
+            <a:r>
+              <a:rPr lang="en-GB" sz="4000" dirty="0">
+                <a:solidFill>
+                  <a:srgbClr val="7030A0"/>
+                </a:solidFill>
+              </a:rPr>
+              <a:t>idea.org.uk</a:t>
+            </a:r>
+          </a:p>
+          <a:p>
+            <a:r>
+              <a:rPr lang="en-GB" sz="4000" dirty="0"/>
+              <a:t>Glow email: </a:t>
+            </a:r>
+            <a:r>
+              <a:rPr lang="en-GB" sz="4000" dirty="0">
+                <a:solidFill>
+                  <a:srgbClr val="7030A0"/>
+                </a:solidFill>
+              </a:rPr>
+              <a:t>es</a:t>
+            </a:r>
+            <a:r>
+              <a:rPr lang="en-GB" sz="4000" i="1" dirty="0">
+                <a:solidFill>
+                  <a:srgbClr val="FF0000"/>
+                </a:solidFill>
+              </a:rPr>
+              <a:t>&lt;username&gt;</a:t>
+            </a:r>
+            <a:r>
+              <a:rPr lang="en-GB" sz="4000" dirty="0">
+                <a:solidFill>
+                  <a:srgbClr val="7030A0"/>
+                </a:solidFill>
+              </a:rPr>
+              <a:t>@glow.sch.uk</a:t>
+            </a:r>
+          </a:p>
+          <a:p>
+            <a:r>
+              <a:rPr lang="en-GB" sz="4000" dirty="0"/>
+              <a:t>Group code: </a:t>
+            </a:r>
+            <a:r>
+              <a:rPr lang="en-GB" sz="4000" dirty="0">
+                <a:solidFill>
+                  <a:srgbClr val="7030A0"/>
+                </a:solidFill>
+              </a:rPr>
+              <a:t>S1_2024-25</a:t>
+            </a:r>
+          </a:p>
+          <a:p>
+            <a:r>
+              <a:rPr lang="en-GB" sz="4000" dirty="0"/>
+              <a:t>Nickname: </a:t>
+            </a:r>
+            <a:r>
+              <a:rPr lang="en-GB" sz="4000" dirty="0">
+                <a:solidFill>
+                  <a:srgbClr val="7030A0"/>
+                </a:solidFill>
+              </a:rPr>
+              <a:t>es</a:t>
+            </a:r>
+            <a:r>
+              <a:rPr lang="en-GB" sz="4000" i="1" dirty="0">
+                <a:solidFill>
+                  <a:srgbClr val="FF0000"/>
+                </a:solidFill>
+              </a:rPr>
+              <a:t>&lt;username&gt;</a:t>
+            </a:r>
+            <a:endParaRPr lang="en-GB" sz="4000" dirty="0"/>
+          </a:p>
+          <a:p>
+            <a:r>
+              <a:rPr lang="en-GB" sz="4000" dirty="0"/>
+              <a:t>Save login details in personal OneNote</a:t>
+            </a:r>
+          </a:p>
+        </p:txBody>
+      </p:sp>
+    </p:spTree>
+    <p:extLst>
+      <p:ext uri="{BB962C8B-B14F-4D97-AF65-F5344CB8AC3E}">
+        <p14:creationId xmlns:p14="http://schemas.microsoft.com/office/powerpoint/2010/main" val="737452002"/>
+      </p:ext>
+    </p:extLst>
+  </p:cSld>
+  <p:clrMapOvr>
+    <a:masterClrMapping/>
+  </p:clrMapOvr>
+  <p:timing>
+    <p:tnLst>
+      <p:par>
+        <p:cTn id="1" dur="indefinite" restart="never" nodeType="tmRoot">
+          <p:childTnLst>
+            <p:seq concurrent="1" nextAc="seek">
+              <p:cTn id="2" dur="indefinite" nodeType="mainSeq">
+                <p:childTnLst>
+                  <p:par>
+                    <p:cTn id="3" fill="hold">
+                      <p:stCondLst>
+                        <p:cond delay="indefinite"/>
+                      </p:stCondLst>
+                      <p:childTnLst>
+                        <p:par>
+                          <p:cTn id="4" fill="hold">
+                            <p:stCondLst>
+                              <p:cond delay="0"/>
+                            </p:stCondLst>
+                            <p:childTnLst>
+                              <p:par>
+                                <p:cTn id="5" presetID="22" presetClass="entr" presetSubtype="8" fill="hold" grpId="0" nodeType="clickEffect">
+                                  <p:stCondLst>
+                                    <p:cond delay="0"/>
+                                  </p:stCondLst>
+                                  <p:childTnLst>
+                                    <p:set>
+                                      <p:cBhvr>
+                                        <p:cTn id="6" dur="1" fill="hold">
+                                          <p:stCondLst>
+                                            <p:cond delay="0"/>
+                                          </p:stCondLst>
+                                        </p:cTn>
+                                        <p:tgtEl>
+                                          <p:spTgt spid="3">
+                                            <p:txEl>
+                                              <p:pRg st="0" end="0"/>
+                                            </p:txEl>
+                                          </p:spTgt>
+                                        </p:tgtEl>
+                                        <p:attrNameLst>
+                                          <p:attrName>style.visibility</p:attrName>
+                                        </p:attrNameLst>
+                                      </p:cBhvr>
+                                      <p:to>
+                                        <p:strVal val="visible"/>
+                                      </p:to>
+                                    </p:set>
+                                    <p:animEffect transition="in" filter="wipe(left)">
+                                      <p:cBhvr>
+                                        <p:cTn id="7" dur="1500"/>
+                                        <p:tgtEl>
+                                          <p:spTgt spid="3">
+                                            <p:txEl>
+                                              <p:pRg st="0" end="0"/>
+                                            </p:txEl>
+                                          </p:spTgt>
+                                        </p:tgtEl>
+                                      </p:cBhvr>
+                                    </p:animEffect>
+                                  </p:childTnLst>
+                                </p:cTn>
+                              </p:par>
+                            </p:childTnLst>
+                          </p:cTn>
+                        </p:par>
+                      </p:childTnLst>
+                    </p:cTn>
+                  </p:par>
+                  <p:par>
+                    <p:cTn id="8" fill="hold">
+                      <p:stCondLst>
+                        <p:cond delay="indefinite"/>
+                      </p:stCondLst>
+                      <p:childTnLst>
+                        <p:par>
+                          <p:cTn id="9" fill="hold">
+                            <p:stCondLst>
+                              <p:cond delay="0"/>
+                            </p:stCondLst>
+                            <p:childTnLst>
+                              <p:par>
+                                <p:cTn id="10" presetID="22" presetClass="entr" presetSubtype="8" fill="hold" grpId="0" nodeType="clickEffect">
+                                  <p:stCondLst>
+                                    <p:cond delay="0"/>
+                                  </p:stCondLst>
+                                  <p:childTnLst>
+                                    <p:set>
+                                      <p:cBhvr>
+                                        <p:cTn id="11" dur="1" fill="hold">
+                                          <p:stCondLst>
+                                            <p:cond delay="0"/>
+                                          </p:stCondLst>
+                                        </p:cTn>
+                                        <p:tgtEl>
+                                          <p:spTgt spid="3">
+                                            <p:txEl>
+                                              <p:pRg st="1" end="1"/>
+                                            </p:txEl>
+                                          </p:spTgt>
+                                        </p:tgtEl>
+                                        <p:attrNameLst>
+                                          <p:attrName>style.visibility</p:attrName>
+                                        </p:attrNameLst>
+                                      </p:cBhvr>
+                                      <p:to>
+                                        <p:strVal val="visible"/>
+                                      </p:to>
+                                    </p:set>
+                                    <p:animEffect transition="in" filter="wipe(left)">
+                                      <p:cBhvr>
+                                        <p:cTn id="12" dur="2500"/>
+                                        <p:tgtEl>
+                                          <p:spTgt spid="3">
+                                            <p:txEl>
+                                              <p:pRg st="1" end="1"/>
+                                            </p:txEl>
+                                          </p:spTgt>
+                                        </p:tgtEl>
+                                      </p:cBhvr>
+                                    </p:animEffect>
+                                  </p:childTnLst>
+                                </p:cTn>
+                              </p:par>
+                            </p:childTnLst>
+                          </p:cTn>
+                        </p:par>
+                      </p:childTnLst>
+                    </p:cTn>
+                  </p:par>
+                  <p:par>
+                    <p:cTn id="13" fill="hold">
+                      <p:stCondLst>
+                        <p:cond delay="indefinite"/>
+                      </p:stCondLst>
+                      <p:childTnLst>
+                        <p:par>
+                          <p:cTn id="14" fill="hold">
+                            <p:stCondLst>
+                              <p:cond delay="0"/>
+                            </p:stCondLst>
+                            <p:childTnLst>
+                              <p:par>
+                                <p:cTn id="15" presetID="22" presetClass="entr" presetSubtype="8" fill="hold" grpId="0" nodeType="clickEffect">
+                                  <p:stCondLst>
+                                    <p:cond delay="0"/>
+                                  </p:stCondLst>
+                                  <p:childTnLst>
+                                    <p:set>
+                                      <p:cBhvr>
+                                        <p:cTn id="16" dur="1" fill="hold">
+                                          <p:stCondLst>
+                                            <p:cond delay="0"/>
+                                          </p:stCondLst>
+                                        </p:cTn>
+                                        <p:tgtEl>
+                                          <p:spTgt spid="3">
+                                            <p:txEl>
+                                              <p:pRg st="2" end="2"/>
+                                            </p:txEl>
+                                          </p:spTgt>
+                                        </p:tgtEl>
+                                        <p:attrNameLst>
+                                          <p:attrName>style.visibility</p:attrName>
+                                        </p:attrNameLst>
+                                      </p:cBhvr>
+                                      <p:to>
+                                        <p:strVal val="visible"/>
+                                      </p:to>
+                                    </p:set>
+                                    <p:animEffect transition="in" filter="wipe(left)">
+                                      <p:cBhvr>
+                                        <p:cTn id="17" dur="1500"/>
+                                        <p:tgtEl>
+                                          <p:spTgt spid="3">
+                                            <p:txEl>
+                                              <p:pRg st="2" end="2"/>
+                                            </p:txEl>
+                                          </p:spTgt>
+                                        </p:tgtEl>
+                                      </p:cBhvr>
+                                    </p:animEffect>
+                                  </p:childTnLst>
+                                </p:cTn>
+                              </p:par>
+                            </p:childTnLst>
+                          </p:cTn>
+                        </p:par>
+                      </p:childTnLst>
+                    </p:cTn>
+                  </p:par>
+                  <p:par>
+                    <p:cTn id="18" fill="hold">
+                      <p:stCondLst>
+                        <p:cond delay="indefinite"/>
+                      </p:stCondLst>
+                      <p:childTnLst>
+                        <p:par>
+                          <p:cTn id="19" fill="hold">
+                            <p:stCondLst>
+                              <p:cond delay="0"/>
+                            </p:stCondLst>
+                            <p:childTnLst>
+                              <p:par>
+                                <p:cTn id="20" presetID="22" presetClass="entr" presetSubtype="8" fill="hold" grpId="0" nodeType="clickEffect">
+                                  <p:stCondLst>
+                                    <p:cond delay="0"/>
+                                  </p:stCondLst>
+                                  <p:childTnLst>
+                                    <p:set>
+                                      <p:cBhvr>
+                                        <p:cTn id="21" dur="1" fill="hold">
+                                          <p:stCondLst>
+                                            <p:cond delay="0"/>
+                                          </p:stCondLst>
+                                        </p:cTn>
+                                        <p:tgtEl>
+                                          <p:spTgt spid="3">
+                                            <p:txEl>
+                                              <p:pRg st="3" end="3"/>
+                                            </p:txEl>
+                                          </p:spTgt>
+                                        </p:tgtEl>
+                                        <p:attrNameLst>
+                                          <p:attrName>style.visibility</p:attrName>
+                                        </p:attrNameLst>
+                                      </p:cBhvr>
+                                      <p:to>
+                                        <p:strVal val="visible"/>
+                                      </p:to>
+                                    </p:set>
+                                    <p:animEffect transition="in" filter="wipe(left)">
+                                      <p:cBhvr>
+                                        <p:cTn id="22" dur="1500"/>
+                                        <p:tgtEl>
+                                          <p:spTgt spid="3">
+                                            <p:txEl>
+                                              <p:pRg st="3" end="3"/>
+                                            </p:txEl>
+                                          </p:spTgt>
+                                        </p:tgtEl>
+                                      </p:cBhvr>
+                                    </p:animEffect>
+                                  </p:childTnLst>
+                                </p:cTn>
+                              </p:par>
+                            </p:childTnLst>
+                          </p:cTn>
+                        </p:par>
+                      </p:childTnLst>
+                    </p:cTn>
+                  </p:par>
+                  <p:par>
+                    <p:cTn id="23" fill="hold">
+                      <p:stCondLst>
+                        <p:cond delay="indefinite"/>
+                      </p:stCondLst>
+                      <p:childTnLst>
+                        <p:par>
+                          <p:cTn id="24" fill="hold">
+                            <p:stCondLst>
+                              <p:cond delay="0"/>
+                            </p:stCondLst>
+                            <p:childTnLst>
+                              <p:par>
+                                <p:cTn id="25" presetID="22" presetClass="entr" presetSubtype="8" fill="hold" grpId="0" nodeType="clickEffect">
+                                  <p:stCondLst>
+                                    <p:cond delay="0"/>
+                                  </p:stCondLst>
+                                  <p:childTnLst>
+                                    <p:set>
+                                      <p:cBhvr>
+                                        <p:cTn id="26" dur="1" fill="hold">
+                                          <p:stCondLst>
+                                            <p:cond delay="0"/>
+                                          </p:stCondLst>
+                                        </p:cTn>
+                                        <p:tgtEl>
+                                          <p:spTgt spid="3">
+                                            <p:txEl>
+                                              <p:pRg st="4" end="4"/>
+                                            </p:txEl>
+                                          </p:spTgt>
+                                        </p:tgtEl>
+                                        <p:attrNameLst>
+                                          <p:attrName>style.visibility</p:attrName>
+                                        </p:attrNameLst>
+                                      </p:cBhvr>
+                                      <p:to>
+                                        <p:strVal val="visible"/>
+                                      </p:to>
+                                    </p:set>
+                                    <p:animEffect transition="in" filter="wipe(left)">
+                                      <p:cBhvr>
+                                        <p:cTn id="27" dur="2500"/>
+                                        <p:tgtEl>
+                                          <p:spTgt spid="3">
+                                            <p:txEl>
+                                              <p:pRg st="4" end="4"/>
+                                            </p:txEl>
+                                          </p:spTgt>
+                                        </p:tgtEl>
+                                      </p:cBhvr>
+                                    </p:animEffect>
+                                  </p:childTnLst>
+                                </p:cTn>
+                              </p:par>
+                            </p:childTnLst>
+                          </p:cTn>
+                        </p:par>
+                      </p:childTnLst>
+                    </p:cTn>
+                  </p:par>
+                </p:childTnLst>
+              </p:cTn>
+              <p:prevCondLst>
+                <p:cond evt="onPrev" delay="0">
+                  <p:tgtEl>
+                    <p:sldTgt/>
+                  </p:tgtEl>
+                </p:cond>
+              </p:prevCondLst>
+              <p:nextCondLst>
+                <p:cond evt="onNext" delay="0">
+                  <p:tgtEl>
+                    <p:sldTgt/>
+                  </p:tgtEl>
+                </p:cond>
+              </p:nextCondLst>
+            </p:seq>
+          </p:childTnLst>
+        </p:cTn>
+      </p:par>
+    </p:tnLst>
+    <p:bldLst>
+      <p:bldP spid="3" grpId="0" uiExpand="1" build="p"/>
+    </p:bldLst>
+  </p:timing>
+</p:sld>
+</file>
+
+<file path=ppt/slides/slide11.xml><?xml version="1.0" encoding="utf-8"?>
+<p:sld xmlns:a="http://schemas.openxmlformats.org/drawingml/2006/main" xmlns:r="http://schemas.openxmlformats.org/officeDocument/2006/relationships" xmlns:p="http://schemas.openxmlformats.org/presentationml/2006/main">
+  <p:cSld>
+    <p:spTree>
+      <p:nvGrpSpPr>
+        <p:cNvPr id="1" name="">
+          <a:extLst>
+            <a:ext uri="{FF2B5EF4-FFF2-40B4-BE49-F238E27FC236}">
+              <a16:creationId xmlns:a16="http://schemas.microsoft.com/office/drawing/2014/main" id="{9A700316-FFAF-848A-62E6-567B84F7D0F5}"/>
+            </a:ext>
+          </a:extLst>
+        </p:cNvPr>
+        <p:cNvGrpSpPr/>
+        <p:nvPr/>
+      </p:nvGrpSpPr>
+      <p:grpSpPr>
+        <a:xfrm>
+          <a:off x="0" y="0"/>
+          <a:ext cx="0" cy="0"/>
+          <a:chOff x="0" y="0"/>
+          <a:chExt cx="0" cy="0"/>
+        </a:xfrm>
+      </p:grpSpPr>
+      <p:sp>
+        <p:nvSpPr>
+          <p:cNvPr id="2" name="Title 1">
+            <a:extLst>
+              <a:ext uri="{FF2B5EF4-FFF2-40B4-BE49-F238E27FC236}">
+                <a16:creationId xmlns:a16="http://schemas.microsoft.com/office/drawing/2014/main" id="{3E7FE51B-90F4-F436-9347-2DE4740B85AD}"/>
+              </a:ext>
+            </a:extLst>
+          </p:cNvPr>
+          <p:cNvSpPr>
+            <a:spLocks noGrp="1"/>
+          </p:cNvSpPr>
+          <p:nvPr>
+            <p:ph type="title"/>
+          </p:nvPr>
+        </p:nvSpPr>
+        <p:spPr/>
+        <p:txBody>
+          <a:bodyPr/>
+          <a:lstStyle/>
+          <a:p>
+            <a:r>
+              <a:rPr lang="en-GB" dirty="0"/>
+              <a:t>Sign Up (2)</a:t>
+            </a:r>
+          </a:p>
+        </p:txBody>
+      </p:sp>
+      <p:sp>
+        <p:nvSpPr>
+          <p:cNvPr id="3" name="Content Placeholder 2">
+            <a:extLst>
+              <a:ext uri="{FF2B5EF4-FFF2-40B4-BE49-F238E27FC236}">
+                <a16:creationId xmlns:a16="http://schemas.microsoft.com/office/drawing/2014/main" id="{45D1BE9B-0866-87E4-8945-91BA2AD78329}"/>
+              </a:ext>
+            </a:extLst>
+          </p:cNvPr>
+          <p:cNvSpPr>
+            <a:spLocks noGrp="1"/>
+          </p:cNvSpPr>
+          <p:nvPr>
+            <p:ph idx="1"/>
+          </p:nvPr>
+        </p:nvSpPr>
+        <p:spPr/>
+        <p:txBody>
+          <a:bodyPr>
+            <a:normAutofit/>
+          </a:bodyPr>
+          <a:lstStyle/>
+          <a:p>
+            <a:r>
+              <a:rPr lang="en-GB" sz="4000" dirty="0"/>
+              <a:t>Recovery email: </a:t>
+            </a:r>
+            <a:r>
+              <a:rPr lang="en-GB" sz="4000" dirty="0">
+                <a:solidFill>
+                  <a:srgbClr val="7030A0"/>
+                </a:solidFill>
+              </a:rPr>
+              <a:t>No</a:t>
+            </a:r>
+          </a:p>
+          <a:p>
+            <a:r>
+              <a:rPr lang="en-GB" sz="4000" dirty="0"/>
+              <a:t>Email updates: </a:t>
+            </a:r>
+            <a:r>
+              <a:rPr lang="en-GB" sz="4000" dirty="0">
+                <a:solidFill>
+                  <a:srgbClr val="7030A0"/>
+                </a:solidFill>
+              </a:rPr>
+              <a:t>No</a:t>
+            </a:r>
+          </a:p>
+          <a:p>
+            <a:r>
+              <a:rPr lang="en-GB" sz="4000" dirty="0"/>
+              <a:t>Group code: </a:t>
+            </a:r>
+            <a:r>
+              <a:rPr lang="en-GB" sz="4000" dirty="0">
+                <a:solidFill>
+                  <a:srgbClr val="7030A0"/>
+                </a:solidFill>
+              </a:rPr>
+              <a:t>S1_2024-25</a:t>
+            </a:r>
+          </a:p>
+          <a:p>
+            <a:r>
+              <a:rPr lang="en-GB" sz="4000" dirty="0"/>
+              <a:t>Guardian's name: </a:t>
+            </a:r>
+            <a:r>
+              <a:rPr lang="en-GB" sz="4000" dirty="0">
+                <a:solidFill>
+                  <a:srgbClr val="7030A0"/>
+                </a:solidFill>
+              </a:rPr>
+              <a:t>Mr Friend</a:t>
+            </a:r>
+          </a:p>
+          <a:p>
+            <a:r>
+              <a:rPr lang="en-GB" sz="4000" dirty="0"/>
+              <a:t>Guardian's email: </a:t>
+            </a:r>
+            <a:r>
+              <a:rPr lang="en-GB" sz="4000" dirty="0">
+                <a:solidFill>
+                  <a:srgbClr val="7030A0"/>
+                </a:solidFill>
+              </a:rPr>
+              <a:t>es</a:t>
+            </a:r>
+            <a:r>
+              <a:rPr lang="en-GB" sz="4000" i="1" dirty="0">
+                <a:solidFill>
+                  <a:srgbClr val="FF0000"/>
+                </a:solidFill>
+              </a:rPr>
+              <a:t>afriend1r</a:t>
+            </a:r>
+            <a:r>
+              <a:rPr lang="en-GB" sz="4000" dirty="0">
+                <a:solidFill>
+                  <a:srgbClr val="7030A0"/>
+                </a:solidFill>
+              </a:rPr>
+              <a:t>@glow.sch.uk</a:t>
+            </a:r>
+          </a:p>
+        </p:txBody>
+      </p:sp>
+      <p:sp>
+        <p:nvSpPr>
+          <p:cNvPr id="4" name="TextBox 3">
+            <a:extLst>
+              <a:ext uri="{FF2B5EF4-FFF2-40B4-BE49-F238E27FC236}">
+                <a16:creationId xmlns:a16="http://schemas.microsoft.com/office/drawing/2014/main" id="{2F4B726B-FCCB-E788-B191-55BF2F0E56E6}"/>
+              </a:ext>
+            </a:extLst>
+          </p:cNvPr>
+          <p:cNvSpPr txBox="1"/>
+          <p:nvPr/>
+        </p:nvSpPr>
+        <p:spPr>
+          <a:xfrm>
+            <a:off x="8191849" y="4001294"/>
+            <a:ext cx="3659067" cy="1077218"/>
+          </a:xfrm>
+          <a:prstGeom prst="rect">
+            <a:avLst/>
+          </a:prstGeom>
+          <a:noFill/>
+        </p:spPr>
+        <p:txBody>
+          <a:bodyPr wrap="square" rtlCol="0">
+            <a:spAutoFit/>
+          </a:bodyPr>
+          <a:lstStyle/>
+          <a:p>
+            <a:r>
+              <a:rPr lang="en-GB" sz="3200" b="1" dirty="0">
+                <a:solidFill>
+                  <a:srgbClr val="7030A0"/>
+                </a:solidFill>
+              </a:rPr>
+              <a:t>Use parent's details, if email known</a:t>
+            </a:r>
+          </a:p>
+        </p:txBody>
+      </p:sp>
+    </p:spTree>
+    <p:extLst>
+      <p:ext uri="{BB962C8B-B14F-4D97-AF65-F5344CB8AC3E}">
+        <p14:creationId xmlns:p14="http://schemas.microsoft.com/office/powerpoint/2010/main" val="1445285546"/>
+      </p:ext>
+    </p:extLst>
+  </p:cSld>
+  <p:clrMapOvr>
+    <a:masterClrMapping/>
+  </p:clrMapOvr>
+  <p:timing>
+    <p:tnLst>
+      <p:par>
+        <p:cTn id="1" dur="indefinite" restart="never" nodeType="tmRoot">
+          <p:childTnLst>
+            <p:seq concurrent="1" nextAc="seek">
+              <p:cTn id="2" dur="indefinite" nodeType="mainSeq">
+                <p:childTnLst>
+                  <p:par>
+                    <p:cTn id="3" fill="hold">
+                      <p:stCondLst>
+                        <p:cond delay="indefinite"/>
+                      </p:stCondLst>
+                      <p:childTnLst>
+                        <p:par>
+                          <p:cTn id="4" fill="hold">
+                            <p:stCondLst>
+                              <p:cond delay="0"/>
+                            </p:stCondLst>
+                            <p:childTnLst>
+                              <p:par>
+                                <p:cTn id="5" presetID="22" presetClass="entr" presetSubtype="8" fill="hold" grpId="0" nodeType="clickEffect">
+                                  <p:stCondLst>
+                                    <p:cond delay="0"/>
+                                  </p:stCondLst>
+                                  <p:childTnLst>
+                                    <p:set>
+                                      <p:cBhvr>
+                                        <p:cTn id="6" dur="1" fill="hold">
+                                          <p:stCondLst>
+                                            <p:cond delay="0"/>
+                                          </p:stCondLst>
+                                        </p:cTn>
+                                        <p:tgtEl>
+                                          <p:spTgt spid="3">
+                                            <p:txEl>
+                                              <p:pRg st="0" end="0"/>
+                                            </p:txEl>
+                                          </p:spTgt>
+                                        </p:tgtEl>
+                                        <p:attrNameLst>
+                                          <p:attrName>style.visibility</p:attrName>
+                                        </p:attrNameLst>
+                                      </p:cBhvr>
+                                      <p:to>
+                                        <p:strVal val="visible"/>
+                                      </p:to>
+                                    </p:set>
+                                    <p:animEffect transition="in" filter="wipe(left)">
+                                      <p:cBhvr>
+                                        <p:cTn id="7" dur="1500"/>
+                                        <p:tgtEl>
+                                          <p:spTgt spid="3">
+                                            <p:txEl>
+                                              <p:pRg st="0" end="0"/>
+                                            </p:txEl>
+                                          </p:spTgt>
+                                        </p:tgtEl>
+                                      </p:cBhvr>
+                                    </p:animEffect>
+                                  </p:childTnLst>
+                                </p:cTn>
+                              </p:par>
+                            </p:childTnLst>
+                          </p:cTn>
+                        </p:par>
+                      </p:childTnLst>
+                    </p:cTn>
+                  </p:par>
+                  <p:par>
+                    <p:cTn id="8" fill="hold">
+                      <p:stCondLst>
+                        <p:cond delay="indefinite"/>
+                      </p:stCondLst>
+                      <p:childTnLst>
+                        <p:par>
+                          <p:cTn id="9" fill="hold">
+                            <p:stCondLst>
+                              <p:cond delay="0"/>
+                            </p:stCondLst>
+                            <p:childTnLst>
+                              <p:par>
+                                <p:cTn id="10" presetID="22" presetClass="entr" presetSubtype="8" fill="hold" grpId="0" nodeType="clickEffect">
+                                  <p:stCondLst>
+                                    <p:cond delay="0"/>
+                                  </p:stCondLst>
+                                  <p:childTnLst>
+                                    <p:set>
+                                      <p:cBhvr>
+                                        <p:cTn id="11" dur="1" fill="hold">
+                                          <p:stCondLst>
+                                            <p:cond delay="0"/>
+                                          </p:stCondLst>
+                                        </p:cTn>
+                                        <p:tgtEl>
+                                          <p:spTgt spid="3">
+                                            <p:txEl>
+                                              <p:pRg st="1" end="1"/>
+                                            </p:txEl>
+                                          </p:spTgt>
+                                        </p:tgtEl>
+                                        <p:attrNameLst>
+                                          <p:attrName>style.visibility</p:attrName>
+                                        </p:attrNameLst>
+                                      </p:cBhvr>
+                                      <p:to>
+                                        <p:strVal val="visible"/>
+                                      </p:to>
+                                    </p:set>
+                                    <p:animEffect transition="in" filter="wipe(left)">
+                                      <p:cBhvr>
+                                        <p:cTn id="12" dur="1500"/>
+                                        <p:tgtEl>
+                                          <p:spTgt spid="3">
+                                            <p:txEl>
+                                              <p:pRg st="1" end="1"/>
+                                            </p:txEl>
+                                          </p:spTgt>
+                                        </p:tgtEl>
+                                      </p:cBhvr>
+                                    </p:animEffect>
+                                  </p:childTnLst>
+                                </p:cTn>
+                              </p:par>
+                            </p:childTnLst>
+                          </p:cTn>
+                        </p:par>
+                      </p:childTnLst>
+                    </p:cTn>
+                  </p:par>
+                  <p:par>
+                    <p:cTn id="13" fill="hold">
+                      <p:stCondLst>
+                        <p:cond delay="indefinite"/>
+                      </p:stCondLst>
+                      <p:childTnLst>
+                        <p:par>
+                          <p:cTn id="14" fill="hold">
+                            <p:stCondLst>
+                              <p:cond delay="0"/>
+                            </p:stCondLst>
+                            <p:childTnLst>
+                              <p:par>
+                                <p:cTn id="15" presetID="22" presetClass="entr" presetSubtype="8" fill="hold" grpId="0" nodeType="clickEffect">
+                                  <p:stCondLst>
+                                    <p:cond delay="0"/>
+                                  </p:stCondLst>
+                                  <p:childTnLst>
+                                    <p:set>
+                                      <p:cBhvr>
+                                        <p:cTn id="16" dur="1" fill="hold">
+                                          <p:stCondLst>
+                                            <p:cond delay="0"/>
+                                          </p:stCondLst>
+                                        </p:cTn>
+                                        <p:tgtEl>
+                                          <p:spTgt spid="3">
+                                            <p:txEl>
+                                              <p:pRg st="2" end="2"/>
+                                            </p:txEl>
+                                          </p:spTgt>
+                                        </p:tgtEl>
+                                        <p:attrNameLst>
+                                          <p:attrName>style.visibility</p:attrName>
+                                        </p:attrNameLst>
+                                      </p:cBhvr>
+                                      <p:to>
+                                        <p:strVal val="visible"/>
+                                      </p:to>
+                                    </p:set>
+                                    <p:animEffect transition="in" filter="wipe(left)">
+                                      <p:cBhvr>
+                                        <p:cTn id="17" dur="1500"/>
+                                        <p:tgtEl>
+                                          <p:spTgt spid="3">
+                                            <p:txEl>
+                                              <p:pRg st="2" end="2"/>
+                                            </p:txEl>
+                                          </p:spTgt>
+                                        </p:tgtEl>
+                                      </p:cBhvr>
+                                    </p:animEffect>
+                                  </p:childTnLst>
+                                </p:cTn>
+                              </p:par>
+                            </p:childTnLst>
+                          </p:cTn>
+                        </p:par>
+                      </p:childTnLst>
+                    </p:cTn>
+                  </p:par>
+                  <p:par>
+                    <p:cTn id="18" fill="hold">
+                      <p:stCondLst>
+                        <p:cond delay="indefinite"/>
+                      </p:stCondLst>
+                      <p:childTnLst>
+                        <p:par>
+                          <p:cTn id="19" fill="hold">
+                            <p:stCondLst>
+                              <p:cond delay="0"/>
+                            </p:stCondLst>
+                            <p:childTnLst>
+                              <p:par>
+                                <p:cTn id="20" presetID="22" presetClass="entr" presetSubtype="8" fill="hold" grpId="0" nodeType="clickEffect">
+                                  <p:stCondLst>
+                                    <p:cond delay="0"/>
+                                  </p:stCondLst>
+                                  <p:childTnLst>
+                                    <p:set>
+                                      <p:cBhvr>
+                                        <p:cTn id="21" dur="1" fill="hold">
+                                          <p:stCondLst>
+                                            <p:cond delay="0"/>
+                                          </p:stCondLst>
+                                        </p:cTn>
+                                        <p:tgtEl>
+                                          <p:spTgt spid="3">
+                                            <p:txEl>
+                                              <p:pRg st="3" end="3"/>
+                                            </p:txEl>
+                                          </p:spTgt>
+                                        </p:tgtEl>
+                                        <p:attrNameLst>
+                                          <p:attrName>style.visibility</p:attrName>
+                                        </p:attrNameLst>
+                                      </p:cBhvr>
+                                      <p:to>
+                                        <p:strVal val="visible"/>
+                                      </p:to>
+                                    </p:set>
+                                    <p:animEffect transition="in" filter="wipe(left)">
+                                      <p:cBhvr>
+                                        <p:cTn id="22" dur="2000"/>
+                                        <p:tgtEl>
+                                          <p:spTgt spid="3">
+                                            <p:txEl>
+                                              <p:pRg st="3" end="3"/>
+                                            </p:txEl>
+                                          </p:spTgt>
+                                        </p:tgtEl>
+                                      </p:cBhvr>
+                                    </p:animEffect>
+                                  </p:childTnLst>
+                                </p:cTn>
+                              </p:par>
+                            </p:childTnLst>
+                          </p:cTn>
+                        </p:par>
+                      </p:childTnLst>
+                    </p:cTn>
+                  </p:par>
+                  <p:par>
+                    <p:cTn id="23" fill="hold">
+                      <p:stCondLst>
+                        <p:cond delay="indefinite"/>
+                      </p:stCondLst>
+                      <p:childTnLst>
+                        <p:par>
+                          <p:cTn id="24" fill="hold">
+                            <p:stCondLst>
+                              <p:cond delay="0"/>
+                            </p:stCondLst>
+                            <p:childTnLst>
+                              <p:par>
+                                <p:cTn id="25" presetID="22" presetClass="entr" presetSubtype="8" fill="hold" grpId="0" nodeType="clickEffect">
+                                  <p:stCondLst>
+                                    <p:cond delay="0"/>
+                                  </p:stCondLst>
+                                  <p:childTnLst>
+                                    <p:set>
+                                      <p:cBhvr>
+                                        <p:cTn id="26" dur="1" fill="hold">
+                                          <p:stCondLst>
+                                            <p:cond delay="0"/>
+                                          </p:stCondLst>
+                                        </p:cTn>
+                                        <p:tgtEl>
+                                          <p:spTgt spid="3">
+                                            <p:txEl>
+                                              <p:pRg st="4" end="4"/>
+                                            </p:txEl>
+                                          </p:spTgt>
+                                        </p:tgtEl>
+                                        <p:attrNameLst>
+                                          <p:attrName>style.visibility</p:attrName>
+                                        </p:attrNameLst>
+                                      </p:cBhvr>
+                                      <p:to>
+                                        <p:strVal val="visible"/>
+                                      </p:to>
+                                    </p:set>
+                                    <p:animEffect transition="in" filter="wipe(left)">
+                                      <p:cBhvr>
+                                        <p:cTn id="27" dur="2500"/>
+                                        <p:tgtEl>
+                                          <p:spTgt spid="3">
+                                            <p:txEl>
+                                              <p:pRg st="4" end="4"/>
+                                            </p:txEl>
+                                          </p:spTgt>
+                                        </p:tgtEl>
+                                      </p:cBhvr>
+                                    </p:animEffect>
+                                  </p:childTnLst>
+                                </p:cTn>
+                              </p:par>
+                            </p:childTnLst>
+                          </p:cTn>
+                        </p:par>
+                      </p:childTnLst>
+                    </p:cTn>
+                  </p:par>
+                  <p:par>
+                    <p:cTn id="28" fill="hold">
+                      <p:stCondLst>
+                        <p:cond delay="indefinite"/>
+                      </p:stCondLst>
+                      <p:childTnLst>
+                        <p:par>
+                          <p:cTn id="29" fill="hold">
+                            <p:stCondLst>
+                              <p:cond delay="0"/>
+                            </p:stCondLst>
+                            <p:childTnLst>
+                              <p:par>
+                                <p:cTn id="30" presetID="22" presetClass="entr" presetSubtype="8" fill="hold" grpId="0" nodeType="clickEffect">
+                                  <p:stCondLst>
+                                    <p:cond delay="0"/>
+                                  </p:stCondLst>
+                                  <p:childTnLst>
+                                    <p:set>
+                                      <p:cBhvr>
+                                        <p:cTn id="31" dur="1" fill="hold">
+                                          <p:stCondLst>
+                                            <p:cond delay="0"/>
+                                          </p:stCondLst>
+                                        </p:cTn>
+                                        <p:tgtEl>
+                                          <p:spTgt spid="4"/>
+                                        </p:tgtEl>
+                                        <p:attrNameLst>
+                                          <p:attrName>style.visibility</p:attrName>
+                                        </p:attrNameLst>
+                                      </p:cBhvr>
+                                      <p:to>
+                                        <p:strVal val="visible"/>
+                                      </p:to>
+                                    </p:set>
+                                    <p:animEffect transition="in" filter="wipe(left)">
+                                      <p:cBhvr>
+                                        <p:cTn id="32" dur="1000"/>
+                                        <p:tgtEl>
+                                          <p:spTgt spid="4"/>
+                                        </p:tgtEl>
+                                      </p:cBhvr>
+                                    </p:animEffect>
+                                  </p:childTnLst>
+                                </p:cTn>
+                              </p:par>
+                            </p:childTnLst>
+                          </p:cTn>
+                        </p:par>
+                      </p:childTnLst>
+                    </p:cTn>
+                  </p:par>
+                </p:childTnLst>
+              </p:cTn>
+              <p:prevCondLst>
+                <p:cond evt="onPrev" delay="0">
+                  <p:tgtEl>
+                    <p:sldTgt/>
+                  </p:tgtEl>
+                </p:cond>
+              </p:prevCondLst>
+              <p:nextCondLst>
+                <p:cond evt="onNext" delay="0">
+                  <p:tgtEl>
+                    <p:sldTgt/>
+                  </p:tgtEl>
+                </p:cond>
+              </p:nextCondLst>
+            </p:seq>
+          </p:childTnLst>
+        </p:cTn>
+      </p:par>
+    </p:tnLst>
+    <p:bldLst>
+      <p:bldP spid="3" grpId="0" uiExpand="1" build="p"/>
+      <p:bldP spid="4" grpId="0"/>
+    </p:bldLst>
+  </p:timing>
 </p:sld>
 </file>
 
@@ -8336,6 +9801,595 @@
 </p:sld>
 </file>
 
+<file path=ppt/slides/slide8.xml><?xml version="1.0" encoding="utf-8"?>
+<p:sld xmlns:a="http://schemas.openxmlformats.org/drawingml/2006/main" xmlns:r="http://schemas.openxmlformats.org/officeDocument/2006/relationships" xmlns:p="http://schemas.openxmlformats.org/presentationml/2006/main">
+  <p:cSld>
+    <p:spTree>
+      <p:nvGrpSpPr>
+        <p:cNvPr id="1" name="">
+          <a:extLst>
+            <a:ext uri="{FF2B5EF4-FFF2-40B4-BE49-F238E27FC236}">
+              <a16:creationId xmlns:a16="http://schemas.microsoft.com/office/drawing/2014/main" id="{1853FA91-EE48-6F0E-5082-7026C9049E35}"/>
+            </a:ext>
+          </a:extLst>
+        </p:cNvPr>
+        <p:cNvGrpSpPr/>
+        <p:nvPr/>
+      </p:nvGrpSpPr>
+      <p:grpSpPr>
+        <a:xfrm>
+          <a:off x="0" y="0"/>
+          <a:ext cx="0" cy="0"/>
+          <a:chOff x="0" y="0"/>
+          <a:chExt cx="0" cy="0"/>
+        </a:xfrm>
+      </p:grpSpPr>
+      <p:sp>
+        <p:nvSpPr>
+          <p:cNvPr id="2" name="Title 1">
+            <a:extLst>
+              <a:ext uri="{FF2B5EF4-FFF2-40B4-BE49-F238E27FC236}">
+                <a16:creationId xmlns:a16="http://schemas.microsoft.com/office/drawing/2014/main" id="{A980DD91-1F9B-0C93-DB8C-02887CB20F6F}"/>
+              </a:ext>
+            </a:extLst>
+          </p:cNvPr>
+          <p:cNvSpPr>
+            <a:spLocks noGrp="1"/>
+          </p:cNvSpPr>
+          <p:nvPr>
+            <p:ph type="title"/>
+          </p:nvPr>
+        </p:nvSpPr>
+        <p:spPr/>
+        <p:txBody>
+          <a:bodyPr/>
+          <a:lstStyle/>
+          <a:p>
+            <a:r>
+              <a:rPr lang="en-GB" dirty="0"/>
+              <a:t>iDEA Award</a:t>
+            </a:r>
+          </a:p>
+        </p:txBody>
+      </p:sp>
+      <p:sp>
+        <p:nvSpPr>
+          <p:cNvPr id="3" name="Text Placeholder 2">
+            <a:extLst>
+              <a:ext uri="{FF2B5EF4-FFF2-40B4-BE49-F238E27FC236}">
+                <a16:creationId xmlns:a16="http://schemas.microsoft.com/office/drawing/2014/main" id="{1EF1230C-BA39-55DA-3DF8-B5AED8DE76AC}"/>
+              </a:ext>
+            </a:extLst>
+          </p:cNvPr>
+          <p:cNvSpPr>
+            <a:spLocks noGrp="1"/>
+          </p:cNvSpPr>
+          <p:nvPr>
+            <p:ph type="body" idx="1"/>
+          </p:nvPr>
+        </p:nvSpPr>
+        <p:spPr/>
+        <p:txBody>
+          <a:bodyPr/>
+          <a:lstStyle/>
+          <a:p>
+            <a:endParaRPr lang="en-GB"/>
+          </a:p>
+        </p:txBody>
+      </p:sp>
+    </p:spTree>
+    <p:extLst>
+      <p:ext uri="{BB962C8B-B14F-4D97-AF65-F5344CB8AC3E}">
+        <p14:creationId xmlns:p14="http://schemas.microsoft.com/office/powerpoint/2010/main" val="3410765061"/>
+      </p:ext>
+    </p:extLst>
+  </p:cSld>
+  <p:clrMapOvr>
+    <a:masterClrMapping/>
+  </p:clrMapOvr>
+</p:sld>
+</file>
+
+<file path=ppt/slides/slide9.xml><?xml version="1.0" encoding="utf-8"?>
+<p:sld xmlns:a="http://schemas.openxmlformats.org/drawingml/2006/main" xmlns:r="http://schemas.openxmlformats.org/officeDocument/2006/relationships" xmlns:p="http://schemas.openxmlformats.org/presentationml/2006/main">
+  <p:cSld>
+    <p:spTree>
+      <p:nvGrpSpPr>
+        <p:cNvPr id="1" name="">
+          <a:extLst>
+            <a:ext uri="{FF2B5EF4-FFF2-40B4-BE49-F238E27FC236}">
+              <a16:creationId xmlns:a16="http://schemas.microsoft.com/office/drawing/2014/main" id="{EA2AA212-8D61-7E0A-251F-1EA18250BF99}"/>
+            </a:ext>
+          </a:extLst>
+        </p:cNvPr>
+        <p:cNvGrpSpPr/>
+        <p:nvPr/>
+      </p:nvGrpSpPr>
+      <p:grpSpPr>
+        <a:xfrm>
+          <a:off x="0" y="0"/>
+          <a:ext cx="0" cy="0"/>
+          <a:chOff x="0" y="0"/>
+          <a:chExt cx="0" cy="0"/>
+        </a:xfrm>
+      </p:grpSpPr>
+      <p:sp>
+        <p:nvSpPr>
+          <p:cNvPr id="2" name="Title 1">
+            <a:extLst>
+              <a:ext uri="{FF2B5EF4-FFF2-40B4-BE49-F238E27FC236}">
+                <a16:creationId xmlns:a16="http://schemas.microsoft.com/office/drawing/2014/main" id="{BD8E1C6B-788B-C8A6-B07D-8BE93BA4208B}"/>
+              </a:ext>
+            </a:extLst>
+          </p:cNvPr>
+          <p:cNvSpPr>
+            <a:spLocks noGrp="1"/>
+          </p:cNvSpPr>
+          <p:nvPr>
+            <p:ph type="title"/>
+          </p:nvPr>
+        </p:nvSpPr>
+        <p:spPr/>
+        <p:txBody>
+          <a:bodyPr/>
+          <a:lstStyle/>
+          <a:p>
+            <a:r>
+              <a:rPr lang="en-GB" dirty="0"/>
+              <a:t>Bronze Award</a:t>
+            </a:r>
+          </a:p>
+        </p:txBody>
+      </p:sp>
+      <p:sp>
+        <p:nvSpPr>
+          <p:cNvPr id="3" name="Content Placeholder 2">
+            <a:extLst>
+              <a:ext uri="{FF2B5EF4-FFF2-40B4-BE49-F238E27FC236}">
+                <a16:creationId xmlns:a16="http://schemas.microsoft.com/office/drawing/2014/main" id="{C2025B6F-5918-AEC0-2CC2-248B1B81F7DD}"/>
+              </a:ext>
+            </a:extLst>
+          </p:cNvPr>
+          <p:cNvSpPr>
+            <a:spLocks noGrp="1"/>
+          </p:cNvSpPr>
+          <p:nvPr>
+            <p:ph idx="1"/>
+          </p:nvPr>
+        </p:nvSpPr>
+        <p:spPr/>
+        <p:txBody>
+          <a:bodyPr>
+            <a:normAutofit/>
+          </a:bodyPr>
+          <a:lstStyle/>
+          <a:p>
+            <a:r>
+              <a:rPr lang="en-GB" sz="4000" dirty="0"/>
+              <a:t>Award: </a:t>
+            </a:r>
+            <a:r>
+              <a:rPr lang="en-GB" sz="4000" dirty="0">
+                <a:solidFill>
+                  <a:srgbClr val="7030A0"/>
+                </a:solidFill>
+              </a:rPr>
+              <a:t>250 points</a:t>
+            </a:r>
+          </a:p>
+          <a:p>
+            <a:pPr lvl="1"/>
+            <a:r>
+              <a:rPr lang="en-GB" sz="4000" dirty="0"/>
+              <a:t>Citizen: </a:t>
+            </a:r>
+            <a:r>
+              <a:rPr lang="en-GB" sz="4000" dirty="0">
+                <a:solidFill>
+                  <a:srgbClr val="7030A0"/>
+                </a:solidFill>
+              </a:rPr>
+              <a:t>50 points</a:t>
+            </a:r>
+          </a:p>
+          <a:p>
+            <a:pPr lvl="1"/>
+            <a:r>
+              <a:rPr lang="en-GB" sz="4000" dirty="0"/>
+              <a:t>Worker: </a:t>
+            </a:r>
+            <a:r>
+              <a:rPr lang="en-GB" sz="4000" dirty="0">
+                <a:solidFill>
+                  <a:srgbClr val="7030A0"/>
+                </a:solidFill>
+              </a:rPr>
+              <a:t>50 points</a:t>
+            </a:r>
+          </a:p>
+          <a:p>
+            <a:pPr lvl="1"/>
+            <a:r>
+              <a:rPr lang="en-GB" sz="4000" dirty="0"/>
+              <a:t>Maker: </a:t>
+            </a:r>
+            <a:r>
+              <a:rPr lang="en-GB" sz="4000" dirty="0">
+                <a:solidFill>
+                  <a:srgbClr val="7030A0"/>
+                </a:solidFill>
+              </a:rPr>
+              <a:t>50 points</a:t>
+            </a:r>
+          </a:p>
+          <a:p>
+            <a:pPr lvl="1"/>
+            <a:r>
+              <a:rPr lang="en-GB" sz="4000" dirty="0"/>
+              <a:t>Entrepreneur: </a:t>
+            </a:r>
+            <a:r>
+              <a:rPr lang="en-GB" sz="4000" dirty="0">
+                <a:solidFill>
+                  <a:srgbClr val="7030A0"/>
+                </a:solidFill>
+              </a:rPr>
+              <a:t>50 points</a:t>
+            </a:r>
+          </a:p>
+        </p:txBody>
+      </p:sp>
+    </p:spTree>
+    <p:extLst>
+      <p:ext uri="{BB962C8B-B14F-4D97-AF65-F5344CB8AC3E}">
+        <p14:creationId xmlns:p14="http://schemas.microsoft.com/office/powerpoint/2010/main" val="155606597"/>
+      </p:ext>
+    </p:extLst>
+  </p:cSld>
+  <p:clrMapOvr>
+    <a:masterClrMapping/>
+  </p:clrMapOvr>
+  <p:timing>
+    <p:tnLst>
+      <p:par>
+        <p:cTn id="1" dur="indefinite" restart="never" nodeType="tmRoot">
+          <p:childTnLst>
+            <p:seq concurrent="1" nextAc="seek">
+              <p:cTn id="2" dur="indefinite" nodeType="mainSeq">
+                <p:childTnLst>
+                  <p:par>
+                    <p:cTn id="3" fill="hold">
+                      <p:stCondLst>
+                        <p:cond delay="indefinite"/>
+                      </p:stCondLst>
+                      <p:childTnLst>
+                        <p:par>
+                          <p:cTn id="4" fill="hold">
+                            <p:stCondLst>
+                              <p:cond delay="0"/>
+                            </p:stCondLst>
+                            <p:childTnLst>
+                              <p:par>
+                                <p:cTn id="5" presetID="22" presetClass="entr" presetSubtype="8" fill="hold" grpId="0" nodeType="clickEffect">
+                                  <p:stCondLst>
+                                    <p:cond delay="0"/>
+                                  </p:stCondLst>
+                                  <p:childTnLst>
+                                    <p:set>
+                                      <p:cBhvr>
+                                        <p:cTn id="6" dur="1" fill="hold">
+                                          <p:stCondLst>
+                                            <p:cond delay="0"/>
+                                          </p:stCondLst>
+                                        </p:cTn>
+                                        <p:tgtEl>
+                                          <p:spTgt spid="3">
+                                            <p:txEl>
+                                              <p:pRg st="0" end="0"/>
+                                            </p:txEl>
+                                          </p:spTgt>
+                                        </p:tgtEl>
+                                        <p:attrNameLst>
+                                          <p:attrName>style.visibility</p:attrName>
+                                        </p:attrNameLst>
+                                      </p:cBhvr>
+                                      <p:to>
+                                        <p:strVal val="visible"/>
+                                      </p:to>
+                                    </p:set>
+                                    <p:animEffect transition="in" filter="wipe(left)">
+                                      <p:cBhvr>
+                                        <p:cTn id="7" dur="1500"/>
+                                        <p:tgtEl>
+                                          <p:spTgt spid="3">
+                                            <p:txEl>
+                                              <p:pRg st="0" end="0"/>
+                                            </p:txEl>
+                                          </p:spTgt>
+                                        </p:tgtEl>
+                                      </p:cBhvr>
+                                    </p:animEffect>
+                                  </p:childTnLst>
+                                </p:cTn>
+                              </p:par>
+                            </p:childTnLst>
+                          </p:cTn>
+                        </p:par>
+                      </p:childTnLst>
+                    </p:cTn>
+                  </p:par>
+                  <p:par>
+                    <p:cTn id="8" fill="hold">
+                      <p:stCondLst>
+                        <p:cond delay="indefinite"/>
+                      </p:stCondLst>
+                      <p:childTnLst>
+                        <p:par>
+                          <p:cTn id="9" fill="hold">
+                            <p:stCondLst>
+                              <p:cond delay="0"/>
+                            </p:stCondLst>
+                            <p:childTnLst>
+                              <p:par>
+                                <p:cTn id="10" presetID="22" presetClass="entr" presetSubtype="8" fill="hold" grpId="0" nodeType="clickEffect">
+                                  <p:stCondLst>
+                                    <p:cond delay="0"/>
+                                  </p:stCondLst>
+                                  <p:childTnLst>
+                                    <p:set>
+                                      <p:cBhvr>
+                                        <p:cTn id="11" dur="1" fill="hold">
+                                          <p:stCondLst>
+                                            <p:cond delay="0"/>
+                                          </p:stCondLst>
+                                        </p:cTn>
+                                        <p:tgtEl>
+                                          <p:spTgt spid="3">
+                                            <p:txEl>
+                                              <p:pRg st="1" end="1"/>
+                                            </p:txEl>
+                                          </p:spTgt>
+                                        </p:tgtEl>
+                                        <p:attrNameLst>
+                                          <p:attrName>style.visibility</p:attrName>
+                                        </p:attrNameLst>
+                                      </p:cBhvr>
+                                      <p:to>
+                                        <p:strVal val="visible"/>
+                                      </p:to>
+                                    </p:set>
+                                    <p:animEffect transition="in" filter="wipe(left)">
+                                      <p:cBhvr>
+                                        <p:cTn id="12" dur="2500"/>
+                                        <p:tgtEl>
+                                          <p:spTgt spid="3">
+                                            <p:txEl>
+                                              <p:pRg st="1" end="1"/>
+                                            </p:txEl>
+                                          </p:spTgt>
+                                        </p:tgtEl>
+                                      </p:cBhvr>
+                                    </p:animEffect>
+                                  </p:childTnLst>
+                                </p:cTn>
+                              </p:par>
+                            </p:childTnLst>
+                          </p:cTn>
+                        </p:par>
+                      </p:childTnLst>
+                    </p:cTn>
+                  </p:par>
+                  <p:par>
+                    <p:cTn id="13" fill="hold">
+                      <p:stCondLst>
+                        <p:cond delay="indefinite"/>
+                      </p:stCondLst>
+                      <p:childTnLst>
+                        <p:par>
+                          <p:cTn id="14" fill="hold">
+                            <p:stCondLst>
+                              <p:cond delay="0"/>
+                            </p:stCondLst>
+                            <p:childTnLst>
+                              <p:par>
+                                <p:cTn id="15" presetID="22" presetClass="entr" presetSubtype="8" fill="hold" grpId="0" nodeType="clickEffect">
+                                  <p:stCondLst>
+                                    <p:cond delay="0"/>
+                                  </p:stCondLst>
+                                  <p:childTnLst>
+                                    <p:set>
+                                      <p:cBhvr>
+                                        <p:cTn id="16" dur="1" fill="hold">
+                                          <p:stCondLst>
+                                            <p:cond delay="0"/>
+                                          </p:stCondLst>
+                                        </p:cTn>
+                                        <p:tgtEl>
+                                          <p:spTgt spid="3">
+                                            <p:txEl>
+                                              <p:pRg st="2" end="2"/>
+                                            </p:txEl>
+                                          </p:spTgt>
+                                        </p:tgtEl>
+                                        <p:attrNameLst>
+                                          <p:attrName>style.visibility</p:attrName>
+                                        </p:attrNameLst>
+                                      </p:cBhvr>
+                                      <p:to>
+                                        <p:strVal val="visible"/>
+                                      </p:to>
+                                    </p:set>
+                                    <p:animEffect transition="in" filter="wipe(left)">
+                                      <p:cBhvr>
+                                        <p:cTn id="17" dur="1500"/>
+                                        <p:tgtEl>
+                                          <p:spTgt spid="3">
+                                            <p:txEl>
+                                              <p:pRg st="2" end="2"/>
+                                            </p:txEl>
+                                          </p:spTgt>
+                                        </p:tgtEl>
+                                      </p:cBhvr>
+                                    </p:animEffect>
+                                  </p:childTnLst>
+                                </p:cTn>
+                              </p:par>
+                            </p:childTnLst>
+                          </p:cTn>
+                        </p:par>
+                      </p:childTnLst>
+                    </p:cTn>
+                  </p:par>
+                  <p:par>
+                    <p:cTn id="18" fill="hold">
+                      <p:stCondLst>
+                        <p:cond delay="indefinite"/>
+                      </p:stCondLst>
+                      <p:childTnLst>
+                        <p:par>
+                          <p:cTn id="19" fill="hold">
+                            <p:stCondLst>
+                              <p:cond delay="0"/>
+                            </p:stCondLst>
+                            <p:childTnLst>
+                              <p:par>
+                                <p:cTn id="20" presetID="22" presetClass="entr" presetSubtype="8" fill="hold" grpId="0" nodeType="clickEffect">
+                                  <p:stCondLst>
+                                    <p:cond delay="0"/>
+                                  </p:stCondLst>
+                                  <p:childTnLst>
+                                    <p:set>
+                                      <p:cBhvr>
+                                        <p:cTn id="21" dur="1" fill="hold">
+                                          <p:stCondLst>
+                                            <p:cond delay="0"/>
+                                          </p:stCondLst>
+                                        </p:cTn>
+                                        <p:tgtEl>
+                                          <p:spTgt spid="3">
+                                            <p:txEl>
+                                              <p:pRg st="3" end="3"/>
+                                            </p:txEl>
+                                          </p:spTgt>
+                                        </p:tgtEl>
+                                        <p:attrNameLst>
+                                          <p:attrName>style.visibility</p:attrName>
+                                        </p:attrNameLst>
+                                      </p:cBhvr>
+                                      <p:to>
+                                        <p:strVal val="visible"/>
+                                      </p:to>
+                                    </p:set>
+                                    <p:animEffect transition="in" filter="wipe(left)">
+                                      <p:cBhvr>
+                                        <p:cTn id="22" dur="2500"/>
+                                        <p:tgtEl>
+                                          <p:spTgt spid="3">
+                                            <p:txEl>
+                                              <p:pRg st="3" end="3"/>
+                                            </p:txEl>
+                                          </p:spTgt>
+                                        </p:tgtEl>
+                                      </p:cBhvr>
+                                    </p:animEffect>
+                                  </p:childTnLst>
+                                </p:cTn>
+                              </p:par>
+                            </p:childTnLst>
+                          </p:cTn>
+                        </p:par>
+                      </p:childTnLst>
+                    </p:cTn>
+                  </p:par>
+                  <p:par>
+                    <p:cTn id="23" fill="hold">
+                      <p:stCondLst>
+                        <p:cond delay="indefinite"/>
+                      </p:stCondLst>
+                      <p:childTnLst>
+                        <p:par>
+                          <p:cTn id="24" fill="hold">
+                            <p:stCondLst>
+                              <p:cond delay="0"/>
+                            </p:stCondLst>
+                            <p:childTnLst>
+                              <p:par>
+                                <p:cTn id="25" presetID="22" presetClass="entr" presetSubtype="8" fill="hold" grpId="0" nodeType="clickEffect">
+                                  <p:stCondLst>
+                                    <p:cond delay="0"/>
+                                  </p:stCondLst>
+                                  <p:childTnLst>
+                                    <p:set>
+                                      <p:cBhvr>
+                                        <p:cTn id="26" dur="1" fill="hold">
+                                          <p:stCondLst>
+                                            <p:cond delay="0"/>
+                                          </p:stCondLst>
+                                        </p:cTn>
+                                        <p:tgtEl>
+                                          <p:spTgt spid="3">
+                                            <p:txEl>
+                                              <p:pRg st="4" end="4"/>
+                                            </p:txEl>
+                                          </p:spTgt>
+                                        </p:tgtEl>
+                                        <p:attrNameLst>
+                                          <p:attrName>style.visibility</p:attrName>
+                                        </p:attrNameLst>
+                                      </p:cBhvr>
+                                      <p:to>
+                                        <p:strVal val="visible"/>
+                                      </p:to>
+                                    </p:set>
+                                    <p:animEffect transition="in" filter="wipe(left)">
+                                      <p:cBhvr>
+                                        <p:cTn id="27" dur="2500"/>
+                                        <p:tgtEl>
+                                          <p:spTgt spid="3">
+                                            <p:txEl>
+                                              <p:pRg st="4" end="4"/>
+                                            </p:txEl>
+                                          </p:spTgt>
+                                        </p:tgtEl>
+                                      </p:cBhvr>
+                                    </p:animEffect>
+                                  </p:childTnLst>
+                                </p:cTn>
+                              </p:par>
+                            </p:childTnLst>
+                          </p:cTn>
+                        </p:par>
+                      </p:childTnLst>
+                    </p:cTn>
+                  </p:par>
+                </p:childTnLst>
+              </p:cTn>
+              <p:prevCondLst>
+                <p:cond evt="onPrev" delay="0">
+                  <p:tgtEl>
+                    <p:sldTgt/>
+                  </p:tgtEl>
+                </p:cond>
+              </p:prevCondLst>
+              <p:nextCondLst>
+                <p:cond evt="onNext" delay="0">
+                  <p:tgtEl>
+                    <p:sldTgt/>
+                  </p:tgtEl>
+                </p:cond>
+              </p:nextCondLst>
+            </p:seq>
+          </p:childTnLst>
+        </p:cTn>
+      </p:par>
+    </p:tnLst>
+    <p:bldLst>
+      <p:bldP spid="3" grpId="0" uiExpand="1" build="p"/>
+    </p:bldLst>
+  </p:timing>
+</p:sld>
+</file>
+
 <file path=ppt/theme/theme1.xml><?xml version="1.0" encoding="utf-8"?>
 <a:theme xmlns:a="http://schemas.openxmlformats.org/drawingml/2006/main" name="Office Theme">
   <a:themeElements>
